--- a/Demo/Demo3.pptx
+++ b/Demo/Demo3.pptx
@@ -113,6 +113,22 @@
       </a:defRPr>
     </a:lvl9pPr>
   </p:defaultTextStyle>
+  <p:extLst>
+    <p:ext uri="{EFAFB233-063F-42B5-8137-9DF3F51BA10A}">
+      <p15:sldGuideLst xmlns:p15="http://schemas.microsoft.com/office/powerpoint/2012/main">
+        <p15:guide id="1" orient="horz" pos="2160">
+          <p15:clr>
+            <a:srgbClr val="A4A3A4"/>
+          </p15:clr>
+        </p15:guide>
+        <p15:guide id="2" pos="2880">
+          <p15:clr>
+            <a:srgbClr val="A4A3A4"/>
+          </p15:clr>
+        </p15:guide>
+      </p15:sldGuideLst>
+    </p:ext>
+  </p:extLst>
 </p:presentation>
 </file>
 
@@ -406,7 +422,7 @@
           <a:p>
             <a:fld id="{7F015566-082B-418D-AA60-C795F4B71E65}" type="datetimeFigureOut">
               <a:rPr lang="en-ZA" smtClean="0"/>
-              <a:t>2015/08/21</a:t>
+              <a:t>2015-08-21</a:t>
             </a:fld>
             <a:endParaRPr lang="en-ZA"/>
           </a:p>
@@ -571,7 +587,7 @@
           <a:p>
             <a:fld id="{7F015566-082B-418D-AA60-C795F4B71E65}" type="datetimeFigureOut">
               <a:rPr lang="en-ZA" smtClean="0"/>
-              <a:t>2015/08/21</a:t>
+              <a:t>2015-08-21</a:t>
             </a:fld>
             <a:endParaRPr lang="en-ZA"/>
           </a:p>
@@ -746,7 +762,7 @@
           <a:p>
             <a:fld id="{7F015566-082B-418D-AA60-C795F4B71E65}" type="datetimeFigureOut">
               <a:rPr lang="en-ZA" smtClean="0"/>
-              <a:t>2015/08/21</a:t>
+              <a:t>2015-08-21</a:t>
             </a:fld>
             <a:endParaRPr lang="en-ZA"/>
           </a:p>
@@ -893,7 +909,7 @@
           <a:p>
             <a:fld id="{7F015566-082B-418D-AA60-C795F4B71E65}" type="datetimeFigureOut">
               <a:rPr lang="en-ZA" smtClean="0"/>
-              <a:t>2015/08/21</a:t>
+              <a:t>2015-08-21</a:t>
             </a:fld>
             <a:endParaRPr lang="en-ZA"/>
           </a:p>
@@ -1010,7 +1026,7 @@
           <a:p>
             <a:fld id="{7F015566-082B-418D-AA60-C795F4B71E65}" type="datetimeFigureOut">
               <a:rPr lang="en-ZA" smtClean="0"/>
-              <a:t>2015/08/21</a:t>
+              <a:t>2015-08-21</a:t>
             </a:fld>
             <a:endParaRPr lang="en-ZA"/>
           </a:p>
@@ -1280,7 +1296,7 @@
           <a:p>
             <a:fld id="{7F015566-082B-418D-AA60-C795F4B71E65}" type="datetimeFigureOut">
               <a:rPr lang="en-ZA" smtClean="0"/>
-              <a:t>2015/08/21</a:t>
+              <a:t>2015-08-21</a:t>
             </a:fld>
             <a:endParaRPr lang="en-ZA"/>
           </a:p>
@@ -1549,7 +1565,7 @@
           <a:p>
             <a:fld id="{7F015566-082B-418D-AA60-C795F4B71E65}" type="datetimeFigureOut">
               <a:rPr lang="en-ZA" smtClean="0"/>
-              <a:t>2015/08/21</a:t>
+              <a:t>2015-08-21</a:t>
             </a:fld>
             <a:endParaRPr lang="en-ZA"/>
           </a:p>
@@ -1996,7 +2012,7 @@
           <a:p>
             <a:fld id="{7F015566-082B-418D-AA60-C795F4B71E65}" type="datetimeFigureOut">
               <a:rPr lang="en-ZA" smtClean="0"/>
-              <a:t>2015/08/21</a:t>
+              <a:t>2015-08-21</a:t>
             </a:fld>
             <a:endParaRPr lang="en-ZA"/>
           </a:p>
@@ -2109,7 +2125,7 @@
           <a:p>
             <a:fld id="{7F015566-082B-418D-AA60-C795F4B71E65}" type="datetimeFigureOut">
               <a:rPr lang="en-ZA" smtClean="0"/>
-              <a:t>2015/08/21</a:t>
+              <a:t>2015-08-21</a:t>
             </a:fld>
             <a:endParaRPr lang="en-ZA"/>
           </a:p>
@@ -2359,7 +2375,7 @@
           <a:p>
             <a:fld id="{7F015566-082B-418D-AA60-C795F4B71E65}" type="datetimeFigureOut">
               <a:rPr lang="en-ZA" smtClean="0"/>
-              <a:t>2015/08/21</a:t>
+              <a:t>2015-08-21</a:t>
             </a:fld>
             <a:endParaRPr lang="en-ZA"/>
           </a:p>
@@ -2599,7 +2615,7 @@
           <a:p>
             <a:fld id="{7F015566-082B-418D-AA60-C795F4B71E65}" type="datetimeFigureOut">
               <a:rPr lang="en-ZA" smtClean="0"/>
-              <a:t>2015/08/21</a:t>
+              <a:t>2015-08-21</a:t>
             </a:fld>
             <a:endParaRPr lang="en-ZA"/>
           </a:p>
@@ -2772,7 +2788,7 @@
           <a:p>
             <a:fld id="{7F015566-082B-418D-AA60-C795F4B71E65}" type="datetimeFigureOut">
               <a:rPr lang="en-ZA" smtClean="0"/>
-              <a:t>2015/08/21</a:t>
+              <a:t>2015-08-21</a:t>
             </a:fld>
             <a:endParaRPr lang="en-ZA"/>
           </a:p>
@@ -3385,32 +3401,6 @@
               </a:rPr>
               <a:t>System</a:t>
             </a:r>
-            <a:endParaRPr lang="en-US" sz="6000" dirty="0">
-              <a:ln>
-                <a:solidFill>
-                  <a:schemeClr val="bg1">
-                    <a:lumMod val="75000"/>
-                    <a:lumOff val="25000"/>
-                  </a:schemeClr>
-                </a:solidFill>
-              </a:ln>
-              <a:solidFill>
-                <a:schemeClr val="bg1">
-                  <a:lumMod val="85000"/>
-                  <a:lumOff val="15000"/>
-                </a:schemeClr>
-              </a:solidFill>
-              <a:effectLst>
-                <a:outerShdw blurRad="38100" dist="38100" dir="2700000" algn="tl">
-                  <a:srgbClr val="000000">
-                    <a:alpha val="43137"/>
-                  </a:srgbClr>
-                </a:outerShdw>
-              </a:effectLst>
-              <a:latin typeface="Arial Unicode MS" pitchFamily="34" charset="-128"/>
-              <a:ea typeface="Arial Unicode MS" pitchFamily="34" charset="-128"/>
-              <a:cs typeface="Arial Unicode MS" pitchFamily="34" charset="-128"/>
-            </a:endParaRPr>
           </a:p>
         </p:txBody>
       </p:sp>
@@ -3527,32 +3517,6 @@
               </a:rPr>
               <a:t> </a:t>
             </a:r>
-            <a:endParaRPr lang="en-US" sz="3300" dirty="0">
-              <a:ln>
-                <a:solidFill>
-                  <a:schemeClr val="bg1">
-                    <a:lumMod val="75000"/>
-                    <a:lumOff val="25000"/>
-                  </a:schemeClr>
-                </a:solidFill>
-              </a:ln>
-              <a:solidFill>
-                <a:schemeClr val="bg1">
-                  <a:lumMod val="85000"/>
-                  <a:lumOff val="15000"/>
-                </a:schemeClr>
-              </a:solidFill>
-              <a:effectLst>
-                <a:outerShdw blurRad="38100" dist="38100" dir="2700000" algn="tl">
-                  <a:srgbClr val="000000">
-                    <a:alpha val="43137"/>
-                  </a:srgbClr>
-                </a:outerShdw>
-              </a:effectLst>
-              <a:latin typeface="Arial Unicode MS" pitchFamily="34" charset="-128"/>
-              <a:ea typeface="Arial Unicode MS" pitchFamily="34" charset="-128"/>
-              <a:cs typeface="Arial Unicode MS" pitchFamily="34" charset="-128"/>
-            </a:endParaRPr>
           </a:p>
         </p:txBody>
       </p:sp>
@@ -5004,10 +4968,8 @@
                 <a:ea typeface="Arial Unicode MS" pitchFamily="34" charset="-128"/>
                 <a:cs typeface="Arial Unicode MS" pitchFamily="34" charset="-128"/>
               </a:rPr>
-              <a:t>- when an order is ready cashier will</a:t>
-            </a:r>
-          </a:p>
-          <a:p>
+              <a:t>- </a:t>
+            </a:r>
             <a:r>
               <a:rPr lang="en-US" sz="3300" dirty="0" smtClean="0">
                 <a:ln>
@@ -5028,6 +4990,96 @@
                 <a:ea typeface="Arial Unicode MS" pitchFamily="34" charset="-128"/>
                 <a:cs typeface="Arial Unicode MS" pitchFamily="34" charset="-128"/>
               </a:rPr>
+              <a:t>When </a:t>
+            </a:r>
+            <a:r>
+              <a:rPr lang="en-US" sz="3300" dirty="0" smtClean="0">
+                <a:ln>
+                  <a:solidFill>
+                    <a:schemeClr val="bg1">
+                      <a:lumMod val="75000"/>
+                      <a:lumOff val="25000"/>
+                    </a:schemeClr>
+                  </a:solidFill>
+                </a:ln>
+                <a:solidFill>
+                  <a:schemeClr val="bg1">
+                    <a:lumMod val="75000"/>
+                    <a:lumOff val="25000"/>
+                  </a:schemeClr>
+                </a:solidFill>
+                <a:latin typeface="Arial Unicode MS" pitchFamily="34" charset="-128"/>
+                <a:ea typeface="Arial Unicode MS" pitchFamily="34" charset="-128"/>
+                <a:cs typeface="Arial Unicode MS" pitchFamily="34" charset="-128"/>
+              </a:rPr>
+              <a:t>an order is </a:t>
+            </a:r>
+            <a:r>
+              <a:rPr lang="en-US" sz="3300" dirty="0" smtClean="0">
+                <a:ln>
+                  <a:solidFill>
+                    <a:schemeClr val="bg1">
+                      <a:lumMod val="75000"/>
+                      <a:lumOff val="25000"/>
+                    </a:schemeClr>
+                  </a:solidFill>
+                </a:ln>
+                <a:solidFill>
+                  <a:schemeClr val="bg1">
+                    <a:lumMod val="75000"/>
+                    <a:lumOff val="25000"/>
+                  </a:schemeClr>
+                </a:solidFill>
+                <a:latin typeface="Arial Unicode MS" pitchFamily="34" charset="-128"/>
+                <a:ea typeface="Arial Unicode MS" pitchFamily="34" charset="-128"/>
+                <a:cs typeface="Arial Unicode MS" pitchFamily="34" charset="-128"/>
+              </a:rPr>
+              <a:t>ready, </a:t>
+            </a:r>
+            <a:r>
+              <a:rPr lang="en-US" sz="3300" dirty="0" smtClean="0">
+                <a:ln>
+                  <a:solidFill>
+                    <a:schemeClr val="bg1">
+                      <a:lumMod val="75000"/>
+                      <a:lumOff val="25000"/>
+                    </a:schemeClr>
+                  </a:solidFill>
+                </a:ln>
+                <a:solidFill>
+                  <a:schemeClr val="bg1">
+                    <a:lumMod val="75000"/>
+                    <a:lumOff val="25000"/>
+                  </a:schemeClr>
+                </a:solidFill>
+                <a:latin typeface="Arial Unicode MS" pitchFamily="34" charset="-128"/>
+                <a:ea typeface="Arial Unicode MS" pitchFamily="34" charset="-128"/>
+                <a:cs typeface="Arial Unicode MS" pitchFamily="34" charset="-128"/>
+              </a:rPr>
+              <a:t>cashier will</a:t>
+            </a:r>
+          </a:p>
+          <a:p>
+            <a:r>
+              <a:rPr lang="en-US" sz="3300" dirty="0" smtClean="0">
+                <a:ln>
+                  <a:solidFill>
+                    <a:schemeClr val="bg1">
+                      <a:lumMod val="75000"/>
+                      <a:lumOff val="25000"/>
+                    </a:schemeClr>
+                  </a:solidFill>
+                </a:ln>
+                <a:solidFill>
+                  <a:schemeClr val="bg1">
+                    <a:lumMod val="75000"/>
+                    <a:lumOff val="25000"/>
+                  </a:schemeClr>
+                </a:solidFill>
+                <a:latin typeface="Arial Unicode MS" pitchFamily="34" charset="-128"/>
+                <a:ea typeface="Arial Unicode MS" pitchFamily="34" charset="-128"/>
+                <a:cs typeface="Arial Unicode MS" pitchFamily="34" charset="-128"/>
+              </a:rPr>
               <a:t> 	  mark it as done and trigger an e-mail </a:t>
             </a:r>
           </a:p>
@@ -5074,7 +5126,29 @@
                 <a:ea typeface="Arial Unicode MS" pitchFamily="34" charset="-128"/>
                 <a:cs typeface="Arial Unicode MS" pitchFamily="34" charset="-128"/>
               </a:rPr>
-              <a:t> notification</a:t>
+              <a:t> </a:t>
+            </a:r>
+            <a:r>
+              <a:rPr lang="en-US" sz="3300" dirty="0" smtClean="0">
+                <a:ln>
+                  <a:solidFill>
+                    <a:schemeClr val="bg1">
+                      <a:lumMod val="75000"/>
+                      <a:lumOff val="25000"/>
+                    </a:schemeClr>
+                  </a:solidFill>
+                </a:ln>
+                <a:solidFill>
+                  <a:schemeClr val="bg1">
+                    <a:lumMod val="75000"/>
+                    <a:lumOff val="25000"/>
+                  </a:schemeClr>
+                </a:solidFill>
+                <a:latin typeface="Arial Unicode MS" pitchFamily="34" charset="-128"/>
+                <a:ea typeface="Arial Unicode MS" pitchFamily="34" charset="-128"/>
+                <a:cs typeface="Arial Unicode MS" pitchFamily="34" charset="-128"/>
+              </a:rPr>
+              <a:t>notification.</a:t>
             </a:r>
             <a:r>
               <a:rPr lang="en-US" sz="3300" dirty="0">
@@ -5207,8 +5281,49 @@
                 <a:ea typeface="Arial Unicode MS" pitchFamily="34" charset="-128"/>
                 <a:cs typeface="Arial Unicode MS" pitchFamily="34" charset="-128"/>
               </a:rPr>
-              <a:t>   it deducted from their salary</a:t>
-            </a:r>
+              <a:t>   it deducted from their </a:t>
+            </a:r>
+            <a:r>
+              <a:rPr lang="en-US" sz="3300" dirty="0" smtClean="0">
+                <a:ln>
+                  <a:solidFill>
+                    <a:schemeClr val="bg1">
+                      <a:lumMod val="75000"/>
+                      <a:lumOff val="25000"/>
+                    </a:schemeClr>
+                  </a:solidFill>
+                </a:ln>
+                <a:solidFill>
+                  <a:schemeClr val="bg1">
+                    <a:lumMod val="75000"/>
+                    <a:lumOff val="25000"/>
+                  </a:schemeClr>
+                </a:solidFill>
+                <a:latin typeface="Arial Unicode MS" pitchFamily="34" charset="-128"/>
+                <a:ea typeface="Arial Unicode MS" pitchFamily="34" charset="-128"/>
+                <a:cs typeface="Arial Unicode MS" pitchFamily="34" charset="-128"/>
+              </a:rPr>
+              <a:t>salary.</a:t>
+            </a:r>
+            <a:endParaRPr lang="en-US" sz="3300" dirty="0" smtClean="0">
+              <a:ln>
+                <a:solidFill>
+                  <a:schemeClr val="bg1">
+                    <a:lumMod val="75000"/>
+                    <a:lumOff val="25000"/>
+                  </a:schemeClr>
+                </a:solidFill>
+              </a:ln>
+              <a:solidFill>
+                <a:schemeClr val="bg1">
+                  <a:lumMod val="75000"/>
+                  <a:lumOff val="25000"/>
+                </a:schemeClr>
+              </a:solidFill>
+              <a:latin typeface="Arial Unicode MS" pitchFamily="34" charset="-128"/>
+              <a:ea typeface="Arial Unicode MS" pitchFamily="34" charset="-128"/>
+              <a:cs typeface="Arial Unicode MS" pitchFamily="34" charset="-128"/>
+            </a:endParaRPr>
           </a:p>
           <a:p>
             <a:r>
@@ -5253,7 +5368,29 @@
                 <a:ea typeface="Arial Unicode MS" pitchFamily="34" charset="-128"/>
                 <a:cs typeface="Arial Unicode MS" pitchFamily="34" charset="-128"/>
               </a:rPr>
-              <a:t>- Documentation updated</a:t>
+              <a:t>- Documentation </a:t>
+            </a:r>
+            <a:r>
+              <a:rPr lang="en-US" sz="3300" dirty="0" smtClean="0">
+                <a:ln>
+                  <a:solidFill>
+                    <a:schemeClr val="bg1">
+                      <a:lumMod val="75000"/>
+                      <a:lumOff val="25000"/>
+                    </a:schemeClr>
+                  </a:solidFill>
+                </a:ln>
+                <a:solidFill>
+                  <a:schemeClr val="bg1">
+                    <a:lumMod val="75000"/>
+                    <a:lumOff val="25000"/>
+                  </a:schemeClr>
+                </a:solidFill>
+                <a:latin typeface="Arial Unicode MS" pitchFamily="34" charset="-128"/>
+                <a:ea typeface="Arial Unicode MS" pitchFamily="34" charset="-128"/>
+                <a:cs typeface="Arial Unicode MS" pitchFamily="34" charset="-128"/>
+              </a:rPr>
+              <a:t>updated.</a:t>
             </a:r>
             <a:r>
               <a:rPr lang="en-ZA" sz="3600" dirty="0"/>
@@ -5499,7 +5636,51 @@
                 <a:ea typeface="Arial Unicode MS" pitchFamily="34" charset="-128"/>
                 <a:cs typeface="Arial Unicode MS" pitchFamily="34" charset="-128"/>
               </a:rPr>
-              <a:t>~ Working on a dynamic Menu category bar with </a:t>
+              <a:t>~ Working on a dynamic </a:t>
+            </a:r>
+            <a:r>
+              <a:rPr lang="en-US" sz="2900" dirty="0" smtClean="0">
+                <a:ln>
+                  <a:solidFill>
+                    <a:schemeClr val="bg1">
+                      <a:lumMod val="75000"/>
+                      <a:lumOff val="25000"/>
+                    </a:schemeClr>
+                  </a:solidFill>
+                </a:ln>
+                <a:solidFill>
+                  <a:schemeClr val="bg1">
+                    <a:lumMod val="75000"/>
+                    <a:lumOff val="25000"/>
+                  </a:schemeClr>
+                </a:solidFill>
+                <a:latin typeface="Arial Unicode MS" pitchFamily="34" charset="-128"/>
+                <a:ea typeface="Arial Unicode MS" pitchFamily="34" charset="-128"/>
+                <a:cs typeface="Arial Unicode MS" pitchFamily="34" charset="-128"/>
+              </a:rPr>
+              <a:t>menu </a:t>
+            </a:r>
+            <a:r>
+              <a:rPr lang="en-US" sz="2900" dirty="0" smtClean="0">
+                <a:ln>
+                  <a:solidFill>
+                    <a:schemeClr val="bg1">
+                      <a:lumMod val="75000"/>
+                      <a:lumOff val="25000"/>
+                    </a:schemeClr>
+                  </a:solidFill>
+                </a:ln>
+                <a:solidFill>
+                  <a:schemeClr val="bg1">
+                    <a:lumMod val="75000"/>
+                    <a:lumOff val="25000"/>
+                  </a:schemeClr>
+                </a:solidFill>
+                <a:latin typeface="Arial Unicode MS" pitchFamily="34" charset="-128"/>
+                <a:ea typeface="Arial Unicode MS" pitchFamily="34" charset="-128"/>
+                <a:cs typeface="Arial Unicode MS" pitchFamily="34" charset="-128"/>
+              </a:rPr>
+              <a:t>category bar with </a:t>
             </a:r>
           </a:p>
           <a:p>
@@ -5545,10 +5726,8 @@
                 <a:ea typeface="Arial Unicode MS" pitchFamily="34" charset="-128"/>
                 <a:cs typeface="Arial Unicode MS" pitchFamily="34" charset="-128"/>
               </a:rPr>
-              <a:t>  dynamic pages</a:t>
-            </a:r>
-          </a:p>
-          <a:p>
+              <a:t>  dynamic </a:t>
+            </a:r>
             <a:r>
               <a:rPr lang="en-US" sz="2900" dirty="0" smtClean="0">
                 <a:ln>
@@ -5569,8 +5748,27 @@
                 <a:ea typeface="Arial Unicode MS" pitchFamily="34" charset="-128"/>
                 <a:cs typeface="Arial Unicode MS" pitchFamily="34" charset="-128"/>
               </a:rPr>
-              <a:t>~ When placing an order user can add preferences</a:t>
-            </a:r>
+              <a:t>pages</a:t>
+            </a:r>
+            <a:endParaRPr lang="en-US" sz="2900" dirty="0" smtClean="0">
+              <a:ln>
+                <a:solidFill>
+                  <a:schemeClr val="bg1">
+                    <a:lumMod val="75000"/>
+                    <a:lumOff val="25000"/>
+                  </a:schemeClr>
+                </a:solidFill>
+              </a:ln>
+              <a:solidFill>
+                <a:schemeClr val="bg1">
+                  <a:lumMod val="75000"/>
+                  <a:lumOff val="25000"/>
+                </a:schemeClr>
+              </a:solidFill>
+              <a:latin typeface="Arial Unicode MS" pitchFamily="34" charset="-128"/>
+              <a:ea typeface="Arial Unicode MS" pitchFamily="34" charset="-128"/>
+              <a:cs typeface="Arial Unicode MS" pitchFamily="34" charset="-128"/>
+            </a:endParaRPr>
           </a:p>
           <a:p>
             <a:r>
@@ -5593,6 +5791,71 @@
                 <a:ea typeface="Arial Unicode MS" pitchFamily="34" charset="-128"/>
                 <a:cs typeface="Arial Unicode MS" pitchFamily="34" charset="-128"/>
               </a:rPr>
+              <a:t>~ When placing an order user can add </a:t>
+            </a:r>
+            <a:r>
+              <a:rPr lang="en-US" sz="2900" dirty="0" smtClean="0">
+                <a:ln>
+                  <a:solidFill>
+                    <a:schemeClr val="bg1">
+                      <a:lumMod val="75000"/>
+                      <a:lumOff val="25000"/>
+                    </a:schemeClr>
+                  </a:solidFill>
+                </a:ln>
+                <a:solidFill>
+                  <a:schemeClr val="bg1">
+                    <a:lumMod val="75000"/>
+                    <a:lumOff val="25000"/>
+                  </a:schemeClr>
+                </a:solidFill>
+                <a:latin typeface="Arial Unicode MS" pitchFamily="34" charset="-128"/>
+                <a:ea typeface="Arial Unicode MS" pitchFamily="34" charset="-128"/>
+                <a:cs typeface="Arial Unicode MS" pitchFamily="34" charset="-128"/>
+              </a:rPr>
+              <a:t>preferences</a:t>
+            </a:r>
+            <a:endParaRPr lang="en-US" sz="2900" dirty="0" smtClean="0">
+              <a:ln>
+                <a:solidFill>
+                  <a:schemeClr val="bg1">
+                    <a:lumMod val="75000"/>
+                    <a:lumOff val="25000"/>
+                  </a:schemeClr>
+                </a:solidFill>
+              </a:ln>
+              <a:solidFill>
+                <a:schemeClr val="bg1">
+                  <a:lumMod val="75000"/>
+                  <a:lumOff val="25000"/>
+                </a:schemeClr>
+              </a:solidFill>
+              <a:latin typeface="Arial Unicode MS" pitchFamily="34" charset="-128"/>
+              <a:ea typeface="Arial Unicode MS" pitchFamily="34" charset="-128"/>
+              <a:cs typeface="Arial Unicode MS" pitchFamily="34" charset="-128"/>
+            </a:endParaRPr>
+          </a:p>
+          <a:p>
+            <a:r>
+              <a:rPr lang="en-US" sz="2900" dirty="0" smtClean="0">
+                <a:ln>
+                  <a:solidFill>
+                    <a:schemeClr val="bg1">
+                      <a:lumMod val="75000"/>
+                      <a:lumOff val="25000"/>
+                    </a:schemeClr>
+                  </a:solidFill>
+                </a:ln>
+                <a:solidFill>
+                  <a:schemeClr val="bg1">
+                    <a:lumMod val="75000"/>
+                    <a:lumOff val="25000"/>
+                  </a:schemeClr>
+                </a:solidFill>
+                <a:latin typeface="Arial Unicode MS" pitchFamily="34" charset="-128"/>
+                <a:ea typeface="Arial Unicode MS" pitchFamily="34" charset="-128"/>
+                <a:cs typeface="Arial Unicode MS" pitchFamily="34" charset="-128"/>
+              </a:rPr>
               <a:t>~ Available spending credit now appears on </a:t>
             </a:r>
           </a:p>
@@ -5733,7 +5996,51 @@
                 <a:ea typeface="Arial Unicode MS" pitchFamily="34" charset="-128"/>
                 <a:cs typeface="Arial Unicode MS" pitchFamily="34" charset="-128"/>
               </a:rPr>
-              <a:t>~ For screen utilization menu bar will become </a:t>
+              <a:t>~ For screen </a:t>
+            </a:r>
+            <a:r>
+              <a:rPr lang="en-US" sz="2900" dirty="0" smtClean="0">
+                <a:ln>
+                  <a:solidFill>
+                    <a:schemeClr val="bg1">
+                      <a:lumMod val="75000"/>
+                      <a:lumOff val="25000"/>
+                    </a:schemeClr>
+                  </a:solidFill>
+                </a:ln>
+                <a:solidFill>
+                  <a:schemeClr val="bg1">
+                    <a:lumMod val="75000"/>
+                    <a:lumOff val="25000"/>
+                  </a:schemeClr>
+                </a:solidFill>
+                <a:latin typeface="Arial Unicode MS" pitchFamily="34" charset="-128"/>
+                <a:ea typeface="Arial Unicode MS" pitchFamily="34" charset="-128"/>
+                <a:cs typeface="Arial Unicode MS" pitchFamily="34" charset="-128"/>
+              </a:rPr>
+              <a:t>utilization, the </a:t>
+            </a:r>
+            <a:r>
+              <a:rPr lang="en-US" sz="2900" dirty="0" smtClean="0">
+                <a:ln>
+                  <a:solidFill>
+                    <a:schemeClr val="bg1">
+                      <a:lumMod val="75000"/>
+                      <a:lumOff val="25000"/>
+                    </a:schemeClr>
+                  </a:solidFill>
+                </a:ln>
+                <a:solidFill>
+                  <a:schemeClr val="bg1">
+                    <a:lumMod val="75000"/>
+                    <a:lumOff val="25000"/>
+                  </a:schemeClr>
+                </a:solidFill>
+                <a:latin typeface="Arial Unicode MS" pitchFamily="34" charset="-128"/>
+                <a:ea typeface="Arial Unicode MS" pitchFamily="34" charset="-128"/>
+                <a:cs typeface="Arial Unicode MS" pitchFamily="34" charset="-128"/>
+              </a:rPr>
+              <a:t>menu bar will become </a:t>
             </a:r>
           </a:p>
           <a:p>
@@ -6233,28 +6540,6 @@
               <a:t>	  (security and </a:t>
             </a:r>
             <a:r>
-              <a:rPr lang="en-US" sz="3600" dirty="0" err="1" smtClean="0">
-                <a:ln>
-                  <a:solidFill>
-                    <a:schemeClr val="bg1">
-                      <a:lumMod val="75000"/>
-                      <a:lumOff val="25000"/>
-                    </a:schemeClr>
-                  </a:solidFill>
-                </a:ln>
-                <a:solidFill>
-                  <a:schemeClr val="bg1">
-                    <a:lumMod val="75000"/>
-                    <a:lumOff val="25000"/>
-                  </a:schemeClr>
-                </a:solidFill>
-                <a:latin typeface="Arial Unicode MS" pitchFamily="34" charset="-128"/>
-                <a:ea typeface="Arial Unicode MS" pitchFamily="34" charset="-128"/>
-                <a:cs typeface="Arial Unicode MS" pitchFamily="34" charset="-128"/>
-              </a:rPr>
-              <a:t>auditibility</a:t>
-            </a:r>
-            <a:r>
               <a:rPr lang="en-US" sz="3600" dirty="0" smtClean="0">
                 <a:ln>
                   <a:solidFill>
@@ -6274,8 +6559,27 @@
                 <a:ea typeface="Arial Unicode MS" pitchFamily="34" charset="-128"/>
                 <a:cs typeface="Arial Unicode MS" pitchFamily="34" charset="-128"/>
               </a:rPr>
-              <a:t>)</a:t>
-            </a:r>
+              <a:t>auditability)</a:t>
+            </a:r>
+            <a:endParaRPr lang="en-US" sz="3600" dirty="0" smtClean="0">
+              <a:ln>
+                <a:solidFill>
+                  <a:schemeClr val="bg1">
+                    <a:lumMod val="75000"/>
+                    <a:lumOff val="25000"/>
+                  </a:schemeClr>
+                </a:solidFill>
+              </a:ln>
+              <a:solidFill>
+                <a:schemeClr val="bg1">
+                  <a:lumMod val="75000"/>
+                  <a:lumOff val="25000"/>
+                </a:schemeClr>
+              </a:solidFill>
+              <a:latin typeface="Arial Unicode MS" pitchFamily="34" charset="-128"/>
+              <a:ea typeface="Arial Unicode MS" pitchFamily="34" charset="-128"/>
+              <a:cs typeface="Arial Unicode MS" pitchFamily="34" charset="-128"/>
+            </a:endParaRPr>
           </a:p>
           <a:p>
             <a:r>
@@ -6366,10 +6670,8 @@
                 <a:ea typeface="Arial Unicode MS" pitchFamily="34" charset="-128"/>
                 <a:cs typeface="Arial Unicode MS" pitchFamily="34" charset="-128"/>
               </a:rPr>
-              <a:t>  usage graphs to cafeteria manager</a:t>
-            </a:r>
-          </a:p>
-          <a:p>
+              <a:t>  usage </a:t>
+            </a:r>
             <a:r>
               <a:rPr lang="en-US" sz="3600" dirty="0" smtClean="0">
                 <a:ln>
@@ -6390,7 +6692,53 @@
                 <a:ea typeface="Arial Unicode MS" pitchFamily="34" charset="-128"/>
                 <a:cs typeface="Arial Unicode MS" pitchFamily="34" charset="-128"/>
               </a:rPr>
-              <a:t>~ Usability testing</a:t>
+              <a:t>graphs </a:t>
+            </a:r>
+          </a:p>
+          <a:p>
+            <a:r>
+              <a:rPr lang="en-US" sz="3600" dirty="0" smtClean="0">
+                <a:ln>
+                  <a:solidFill>
+                    <a:schemeClr val="bg1">
+                      <a:lumMod val="75000"/>
+                      <a:lumOff val="25000"/>
+                    </a:schemeClr>
+                  </a:solidFill>
+                </a:ln>
+                <a:solidFill>
+                  <a:schemeClr val="bg1">
+                    <a:lumMod val="75000"/>
+                    <a:lumOff val="25000"/>
+                  </a:schemeClr>
+                </a:solidFill>
+                <a:latin typeface="Arial Unicode MS" pitchFamily="34" charset="-128"/>
+                <a:ea typeface="Arial Unicode MS" pitchFamily="34" charset="-128"/>
+                <a:cs typeface="Arial Unicode MS" pitchFamily="34" charset="-128"/>
+              </a:rPr>
+              <a:t>~ </a:t>
+            </a:r>
+            <a:r>
+              <a:rPr lang="en-US" sz="3600" dirty="0" smtClean="0">
+                <a:ln>
+                  <a:solidFill>
+                    <a:schemeClr val="bg1">
+                      <a:lumMod val="75000"/>
+                      <a:lumOff val="25000"/>
+                    </a:schemeClr>
+                  </a:solidFill>
+                </a:ln>
+                <a:solidFill>
+                  <a:schemeClr val="bg1">
+                    <a:lumMod val="75000"/>
+                    <a:lumOff val="25000"/>
+                  </a:schemeClr>
+                </a:solidFill>
+                <a:latin typeface="Arial Unicode MS" pitchFamily="34" charset="-128"/>
+                <a:ea typeface="Arial Unicode MS" pitchFamily="34" charset="-128"/>
+                <a:cs typeface="Arial Unicode MS" pitchFamily="34" charset="-128"/>
+              </a:rPr>
+              <a:t>Usability testing</a:t>
             </a:r>
           </a:p>
           <a:p>
@@ -6640,10 +6988,8 @@
                 <a:ea typeface="Arial Unicode MS" pitchFamily="34" charset="-128"/>
                 <a:cs typeface="Arial Unicode MS" pitchFamily="34" charset="-128"/>
               </a:rPr>
-              <a:t>~ Phase 5 – Pulling together strings</a:t>
-            </a:r>
-          </a:p>
-          <a:p>
+              <a:t>~ Phase 5 </a:t>
+            </a:r>
             <a:r>
               <a:rPr lang="en-US" sz="3600" dirty="0" smtClean="0">
                 <a:ln>
@@ -6664,7 +7010,7 @@
                 <a:ea typeface="Arial Unicode MS" pitchFamily="34" charset="-128"/>
                 <a:cs typeface="Arial Unicode MS" pitchFamily="34" charset="-128"/>
               </a:rPr>
-              <a:t>~ This phase will consist of fixing the last</a:t>
+              <a:t>–Tying everything up</a:t>
             </a:r>
           </a:p>
           <a:p>
@@ -6688,7 +7034,97 @@
                 <a:ea typeface="Arial Unicode MS" pitchFamily="34" charset="-128"/>
                 <a:cs typeface="Arial Unicode MS" pitchFamily="34" charset="-128"/>
               </a:rPr>
-              <a:t>    few things of core requirements </a:t>
+              <a:t>~ </a:t>
+            </a:r>
+            <a:r>
+              <a:rPr lang="en-US" sz="3600" dirty="0" smtClean="0">
+                <a:ln>
+                  <a:solidFill>
+                    <a:schemeClr val="bg1">
+                      <a:lumMod val="75000"/>
+                      <a:lumOff val="25000"/>
+                    </a:schemeClr>
+                  </a:solidFill>
+                </a:ln>
+                <a:solidFill>
+                  <a:schemeClr val="bg1">
+                    <a:lumMod val="75000"/>
+                    <a:lumOff val="25000"/>
+                  </a:schemeClr>
+                </a:solidFill>
+                <a:latin typeface="Arial Unicode MS" pitchFamily="34" charset="-128"/>
+                <a:ea typeface="Arial Unicode MS" pitchFamily="34" charset="-128"/>
+                <a:cs typeface="Arial Unicode MS" pitchFamily="34" charset="-128"/>
+              </a:rPr>
+              <a:t>This phase will consist of fixing the last</a:t>
+            </a:r>
+          </a:p>
+          <a:p>
+            <a:r>
+              <a:rPr lang="en-US" sz="3600" dirty="0" smtClean="0">
+                <a:ln>
+                  <a:solidFill>
+                    <a:schemeClr val="bg1">
+                      <a:lumMod val="75000"/>
+                      <a:lumOff val="25000"/>
+                    </a:schemeClr>
+                  </a:solidFill>
+                </a:ln>
+                <a:solidFill>
+                  <a:schemeClr val="bg1">
+                    <a:lumMod val="75000"/>
+                    <a:lumOff val="25000"/>
+                  </a:schemeClr>
+                </a:solidFill>
+                <a:latin typeface="Arial Unicode MS" pitchFamily="34" charset="-128"/>
+                <a:ea typeface="Arial Unicode MS" pitchFamily="34" charset="-128"/>
+                <a:cs typeface="Arial Unicode MS" pitchFamily="34" charset="-128"/>
+              </a:rPr>
+              <a:t>    few things of </a:t>
+            </a:r>
+            <a:r>
+              <a:rPr lang="en-US" sz="3600" dirty="0" smtClean="0">
+                <a:ln>
+                  <a:solidFill>
+                    <a:schemeClr val="bg1">
+                      <a:lumMod val="75000"/>
+                      <a:lumOff val="25000"/>
+                    </a:schemeClr>
+                  </a:solidFill>
+                </a:ln>
+                <a:solidFill>
+                  <a:schemeClr val="bg1">
+                    <a:lumMod val="75000"/>
+                    <a:lumOff val="25000"/>
+                  </a:schemeClr>
+                </a:solidFill>
+                <a:latin typeface="Arial Unicode MS" pitchFamily="34" charset="-128"/>
+                <a:ea typeface="Arial Unicode MS" pitchFamily="34" charset="-128"/>
+                <a:cs typeface="Arial Unicode MS" pitchFamily="34" charset="-128"/>
+              </a:rPr>
+              <a:t>the core </a:t>
+            </a:r>
+            <a:r>
+              <a:rPr lang="en-US" sz="3600" dirty="0" smtClean="0">
+                <a:ln>
+                  <a:solidFill>
+                    <a:schemeClr val="bg1">
+                      <a:lumMod val="75000"/>
+                      <a:lumOff val="25000"/>
+                    </a:schemeClr>
+                  </a:solidFill>
+                </a:ln>
+                <a:solidFill>
+                  <a:schemeClr val="bg1">
+                    <a:lumMod val="75000"/>
+                    <a:lumOff val="25000"/>
+                  </a:schemeClr>
+                </a:solidFill>
+                <a:latin typeface="Arial Unicode MS" pitchFamily="34" charset="-128"/>
+                <a:ea typeface="Arial Unicode MS" pitchFamily="34" charset="-128"/>
+                <a:cs typeface="Arial Unicode MS" pitchFamily="34" charset="-128"/>
+              </a:rPr>
+              <a:t>requirements </a:t>
             </a:r>
           </a:p>
         </p:txBody>

--- a/Demo/Demo3.pptx
+++ b/Demo/Demo3.pptx
@@ -3842,8 +3842,27 @@
                 <a:ea typeface="Arial Unicode MS" pitchFamily="34" charset="-128"/>
                 <a:cs typeface="Arial Unicode MS" pitchFamily="34" charset="-128"/>
               </a:rPr>
-              <a:t>~ Enhancements since last demo</a:t>
-            </a:r>
+              <a:t>~ Enhancements </a:t>
+            </a:r>
+            <a:endParaRPr lang="en-US" sz="3300" dirty="0" smtClean="0">
+              <a:ln>
+                <a:solidFill>
+                  <a:schemeClr val="bg1">
+                    <a:lumMod val="75000"/>
+                    <a:lumOff val="25000"/>
+                  </a:schemeClr>
+                </a:solidFill>
+              </a:ln>
+              <a:solidFill>
+                <a:schemeClr val="bg1">
+                  <a:lumMod val="75000"/>
+                  <a:lumOff val="25000"/>
+                </a:schemeClr>
+              </a:solidFill>
+              <a:latin typeface="Arial Unicode MS" pitchFamily="34" charset="-128"/>
+              <a:ea typeface="Arial Unicode MS" pitchFamily="34" charset="-128"/>
+              <a:cs typeface="Arial Unicode MS" pitchFamily="34" charset="-128"/>
+            </a:endParaRPr>
           </a:p>
           <a:p>
             <a:r>
@@ -3866,7 +3885,29 @@
                 <a:ea typeface="Arial Unicode MS" pitchFamily="34" charset="-128"/>
                 <a:cs typeface="Arial Unicode MS" pitchFamily="34" charset="-128"/>
               </a:rPr>
-              <a:t>~ Next sprints</a:t>
+              <a:t>~ </a:t>
+            </a:r>
+            <a:r>
+              <a:rPr lang="en-US" sz="3300" dirty="0" smtClean="0">
+                <a:ln>
+                  <a:solidFill>
+                    <a:schemeClr val="bg1">
+                      <a:lumMod val="75000"/>
+                      <a:lumOff val="25000"/>
+                    </a:schemeClr>
+                  </a:solidFill>
+                </a:ln>
+                <a:solidFill>
+                  <a:schemeClr val="bg1">
+                    <a:lumMod val="75000"/>
+                    <a:lumOff val="25000"/>
+                  </a:schemeClr>
+                </a:solidFill>
+                <a:latin typeface="Arial Unicode MS" pitchFamily="34" charset="-128"/>
+                <a:ea typeface="Arial Unicode MS" pitchFamily="34" charset="-128"/>
+                <a:cs typeface="Arial Unicode MS" pitchFamily="34" charset="-128"/>
+              </a:rPr>
+              <a:t>Next sprints</a:t>
             </a:r>
           </a:p>
           <a:p>
@@ -4157,10 +4198,8 @@
                 <a:ea typeface="Arial Unicode MS" pitchFamily="34" charset="-128"/>
                 <a:cs typeface="Arial Unicode MS" pitchFamily="34" charset="-128"/>
               </a:rPr>
-              <a:t>~ Agile- scrum method</a:t>
-            </a:r>
-          </a:p>
-          <a:p>
+              <a:t>~ </a:t>
+            </a:r>
             <a:r>
               <a:rPr lang="en-US" sz="3300" dirty="0" smtClean="0">
                 <a:ln>
@@ -4181,7 +4220,97 @@
                 <a:ea typeface="Arial Unicode MS" pitchFamily="34" charset="-128"/>
                 <a:cs typeface="Arial Unicode MS" pitchFamily="34" charset="-128"/>
               </a:rPr>
-              <a:t>~ Sprints – 7 phases (4/7 complete)</a:t>
+              <a:t>Agile - </a:t>
+            </a:r>
+            <a:r>
+              <a:rPr lang="en-US" sz="3300" dirty="0" smtClean="0">
+                <a:ln>
+                  <a:solidFill>
+                    <a:schemeClr val="bg1">
+                      <a:lumMod val="75000"/>
+                      <a:lumOff val="25000"/>
+                    </a:schemeClr>
+                  </a:solidFill>
+                </a:ln>
+                <a:solidFill>
+                  <a:schemeClr val="bg1">
+                    <a:lumMod val="75000"/>
+                    <a:lumOff val="25000"/>
+                  </a:schemeClr>
+                </a:solidFill>
+                <a:latin typeface="Arial Unicode MS" pitchFamily="34" charset="-128"/>
+                <a:ea typeface="Arial Unicode MS" pitchFamily="34" charset="-128"/>
+                <a:cs typeface="Arial Unicode MS" pitchFamily="34" charset="-128"/>
+              </a:rPr>
+              <a:t>scrum method</a:t>
+            </a:r>
+          </a:p>
+          <a:p>
+            <a:r>
+              <a:rPr lang="en-US" sz="3300" dirty="0" smtClean="0">
+                <a:ln>
+                  <a:solidFill>
+                    <a:schemeClr val="bg1">
+                      <a:lumMod val="75000"/>
+                      <a:lumOff val="25000"/>
+                    </a:schemeClr>
+                  </a:solidFill>
+                </a:ln>
+                <a:solidFill>
+                  <a:schemeClr val="bg1">
+                    <a:lumMod val="75000"/>
+                    <a:lumOff val="25000"/>
+                  </a:schemeClr>
+                </a:solidFill>
+                <a:latin typeface="Arial Unicode MS" pitchFamily="34" charset="-128"/>
+                <a:ea typeface="Arial Unicode MS" pitchFamily="34" charset="-128"/>
+                <a:cs typeface="Arial Unicode MS" pitchFamily="34" charset="-128"/>
+              </a:rPr>
+              <a:t>~ Sprints </a:t>
+            </a:r>
+            <a:r>
+              <a:rPr lang="en-US" sz="3300" dirty="0" smtClean="0">
+                <a:ln>
+                  <a:solidFill>
+                    <a:schemeClr val="bg1">
+                      <a:lumMod val="75000"/>
+                      <a:lumOff val="25000"/>
+                    </a:schemeClr>
+                  </a:solidFill>
+                </a:ln>
+                <a:solidFill>
+                  <a:schemeClr val="bg1">
+                    <a:lumMod val="75000"/>
+                    <a:lumOff val="25000"/>
+                  </a:schemeClr>
+                </a:solidFill>
+                <a:latin typeface="Arial Unicode MS" pitchFamily="34" charset="-128"/>
+                <a:ea typeface="Arial Unicode MS" pitchFamily="34" charset="-128"/>
+                <a:cs typeface="Arial Unicode MS" pitchFamily="34" charset="-128"/>
+              </a:rPr>
+              <a:t>- </a:t>
+            </a:r>
+            <a:r>
+              <a:rPr lang="en-US" sz="3300" dirty="0" smtClean="0">
+                <a:ln>
+                  <a:solidFill>
+                    <a:schemeClr val="bg1">
+                      <a:lumMod val="75000"/>
+                      <a:lumOff val="25000"/>
+                    </a:schemeClr>
+                  </a:solidFill>
+                </a:ln>
+                <a:solidFill>
+                  <a:schemeClr val="bg1">
+                    <a:lumMod val="75000"/>
+                    <a:lumOff val="25000"/>
+                  </a:schemeClr>
+                </a:solidFill>
+                <a:latin typeface="Arial Unicode MS" pitchFamily="34" charset="-128"/>
+                <a:ea typeface="Arial Unicode MS" pitchFamily="34" charset="-128"/>
+                <a:cs typeface="Arial Unicode MS" pitchFamily="34" charset="-128"/>
+              </a:rPr>
+              <a:t>7 phases (4/7 complete)</a:t>
             </a:r>
           </a:p>
           <a:p>
@@ -4564,7 +4693,51 @@
                 <a:ea typeface="Arial Unicode MS" pitchFamily="34" charset="-128"/>
                 <a:cs typeface="Arial Unicode MS" pitchFamily="34" charset="-128"/>
               </a:rPr>
-              <a:t>~ Unit testing and showed unit testing for</a:t>
+              <a:t>~ Unit </a:t>
+            </a:r>
+            <a:r>
+              <a:rPr lang="en-US" sz="3200" dirty="0" smtClean="0">
+                <a:ln>
+                  <a:solidFill>
+                    <a:schemeClr val="bg1">
+                      <a:lumMod val="75000"/>
+                      <a:lumOff val="25000"/>
+                    </a:schemeClr>
+                  </a:solidFill>
+                </a:ln>
+                <a:solidFill>
+                  <a:schemeClr val="bg1">
+                    <a:lumMod val="75000"/>
+                    <a:lumOff val="25000"/>
+                  </a:schemeClr>
+                </a:solidFill>
+                <a:latin typeface="Arial Unicode MS" pitchFamily="34" charset="-128"/>
+                <a:ea typeface="Arial Unicode MS" pitchFamily="34" charset="-128"/>
+                <a:cs typeface="Arial Unicode MS" pitchFamily="34" charset="-128"/>
+              </a:rPr>
+              <a:t>testing </a:t>
+            </a:r>
+            <a:r>
+              <a:rPr lang="en-US" sz="3200" dirty="0" smtClean="0">
+                <a:ln>
+                  <a:solidFill>
+                    <a:schemeClr val="bg1">
+                      <a:lumMod val="75000"/>
+                      <a:lumOff val="25000"/>
+                    </a:schemeClr>
+                  </a:solidFill>
+                </a:ln>
+                <a:solidFill>
+                  <a:schemeClr val="bg1">
+                    <a:lumMod val="75000"/>
+                    <a:lumOff val="25000"/>
+                  </a:schemeClr>
+                </a:solidFill>
+                <a:latin typeface="Arial Unicode MS" pitchFamily="34" charset="-128"/>
+                <a:ea typeface="Arial Unicode MS" pitchFamily="34" charset="-128"/>
+                <a:cs typeface="Arial Unicode MS" pitchFamily="34" charset="-128"/>
+              </a:rPr>
+              <a:t>and showed unit testing for</a:t>
             </a:r>
           </a:p>
           <a:p>
@@ -4734,7 +4907,7 @@
           <a:p>
             <a:pPr algn="ctr"/>
             <a:r>
-              <a:rPr lang="en-US" sz="5400" dirty="0" smtClean="0">
+              <a:rPr lang="en-US" sz="5300" dirty="0" smtClean="0">
                 <a:ln>
                   <a:solidFill>
                     <a:schemeClr val="bg1">
@@ -4762,7 +4935,7 @@
               </a:rPr>
               <a:t>Progress since last meeting </a:t>
             </a:r>
-            <a:endParaRPr lang="en-US" sz="5400" dirty="0">
+            <a:endParaRPr lang="en-US" sz="5300" dirty="0">
               <a:ln>
                 <a:solidFill>
                   <a:schemeClr val="bg1">
@@ -5034,7 +5207,7 @@
                 <a:ea typeface="Arial Unicode MS" pitchFamily="34" charset="-128"/>
                 <a:cs typeface="Arial Unicode MS" pitchFamily="34" charset="-128"/>
               </a:rPr>
-              <a:t>ready, </a:t>
+              <a:t>ready, the cashier 	   will mark </a:t>
             </a:r>
             <a:r>
               <a:rPr lang="en-US" sz="3300" dirty="0" smtClean="0">
@@ -5056,10 +5229,8 @@
                 <a:ea typeface="Arial Unicode MS" pitchFamily="34" charset="-128"/>
                 <a:cs typeface="Arial Unicode MS" pitchFamily="34" charset="-128"/>
               </a:rPr>
-              <a:t>cashier will</a:t>
-            </a:r>
-          </a:p>
-          <a:p>
+              <a:t>it as done and trigger an </a:t>
+            </a:r>
             <a:r>
               <a:rPr lang="en-US" sz="3300" dirty="0" smtClean="0">
                 <a:ln>
@@ -5080,75 +5251,7 @@
                 <a:ea typeface="Arial Unicode MS" pitchFamily="34" charset="-128"/>
                 <a:cs typeface="Arial Unicode MS" pitchFamily="34" charset="-128"/>
               </a:rPr>
-              <a:t> 	  mark it as done and trigger an e-mail </a:t>
-            </a:r>
-          </a:p>
-          <a:p>
-            <a:r>
-              <a:rPr lang="en-US" sz="3300" dirty="0">
-                <a:ln>
-                  <a:solidFill>
-                    <a:schemeClr val="bg1">
-                      <a:lumMod val="75000"/>
-                      <a:lumOff val="25000"/>
-                    </a:schemeClr>
-                  </a:solidFill>
-                </a:ln>
-                <a:solidFill>
-                  <a:schemeClr val="bg1">
-                    <a:lumMod val="75000"/>
-                    <a:lumOff val="25000"/>
-                  </a:schemeClr>
-                </a:solidFill>
-                <a:latin typeface="Arial Unicode MS" pitchFamily="34" charset="-128"/>
-                <a:ea typeface="Arial Unicode MS" pitchFamily="34" charset="-128"/>
-                <a:cs typeface="Arial Unicode MS" pitchFamily="34" charset="-128"/>
-              </a:rPr>
-              <a:t>	 </a:t>
-            </a:r>
-            <a:r>
-              <a:rPr lang="en-US" sz="3300" dirty="0" smtClean="0">
-                <a:ln>
-                  <a:solidFill>
-                    <a:schemeClr val="bg1">
-                      <a:lumMod val="75000"/>
-                      <a:lumOff val="25000"/>
-                    </a:schemeClr>
-                  </a:solidFill>
-                </a:ln>
-                <a:solidFill>
-                  <a:schemeClr val="bg1">
-                    <a:lumMod val="75000"/>
-                    <a:lumOff val="25000"/>
-                  </a:schemeClr>
-                </a:solidFill>
-                <a:latin typeface="Arial Unicode MS" pitchFamily="34" charset="-128"/>
-                <a:ea typeface="Arial Unicode MS" pitchFamily="34" charset="-128"/>
-                <a:cs typeface="Arial Unicode MS" pitchFamily="34" charset="-128"/>
-              </a:rPr>
-              <a:t> </a:t>
-            </a:r>
-            <a:r>
-              <a:rPr lang="en-US" sz="3300" dirty="0" smtClean="0">
-                <a:ln>
-                  <a:solidFill>
-                    <a:schemeClr val="bg1">
-                      <a:lumMod val="75000"/>
-                      <a:lumOff val="25000"/>
-                    </a:schemeClr>
-                  </a:solidFill>
-                </a:ln>
-                <a:solidFill>
-                  <a:schemeClr val="bg1">
-                    <a:lumMod val="75000"/>
-                    <a:lumOff val="25000"/>
-                  </a:schemeClr>
-                </a:solidFill>
-                <a:latin typeface="Arial Unicode MS" pitchFamily="34" charset="-128"/>
-                <a:ea typeface="Arial Unicode MS" pitchFamily="34" charset="-128"/>
-                <a:cs typeface="Arial Unicode MS" pitchFamily="34" charset="-128"/>
-              </a:rPr>
-              <a:t>notification.</a:t>
+              <a:t>e-	   mail notification.</a:t>
             </a:r>
             <a:r>
               <a:rPr lang="en-US" sz="3300" dirty="0">
@@ -5560,7 +5663,7 @@
         <p:spPr>
           <a:xfrm>
             <a:off x="395536" y="1340768"/>
-            <a:ext cx="8496944" cy="5115903"/>
+            <a:ext cx="8496944" cy="4669627"/>
           </a:xfrm>
           <a:prstGeom prst="rect">
             <a:avLst/>
@@ -5791,7 +5894,7 @@
                 <a:ea typeface="Arial Unicode MS" pitchFamily="34" charset="-128"/>
                 <a:cs typeface="Arial Unicode MS" pitchFamily="34" charset="-128"/>
               </a:rPr>
-              <a:t>~ When placing an order user can add </a:t>
+              <a:t>~ </a:t>
             </a:r>
             <a:r>
               <a:rPr lang="en-US" sz="2900" dirty="0" smtClean="0">
@@ -5813,7 +5916,7 @@
                 <a:ea typeface="Arial Unicode MS" pitchFamily="34" charset="-128"/>
                 <a:cs typeface="Arial Unicode MS" pitchFamily="34" charset="-128"/>
               </a:rPr>
-              <a:t>preferences</a:t>
+              <a:t>Users can add preferences to orders</a:t>
             </a:r>
             <a:endParaRPr lang="en-US" sz="2900" dirty="0" smtClean="0">
               <a:ln>
@@ -5856,10 +5959,8 @@
                 <a:ea typeface="Arial Unicode MS" pitchFamily="34" charset="-128"/>
                 <a:cs typeface="Arial Unicode MS" pitchFamily="34" charset="-128"/>
               </a:rPr>
-              <a:t>~ Available spending credit now appears on </a:t>
-            </a:r>
-          </a:p>
-          <a:p>
+              <a:t>~ </a:t>
+            </a:r>
             <a:r>
               <a:rPr lang="en-US" sz="2900" dirty="0" smtClean="0">
                 <a:ln>
@@ -5880,7 +5981,95 @@
                 <a:ea typeface="Arial Unicode MS" pitchFamily="34" charset="-128"/>
                 <a:cs typeface="Arial Unicode MS" pitchFamily="34" charset="-128"/>
               </a:rPr>
-              <a:t>   profile page</a:t>
+              <a:t>Balance now </a:t>
+            </a:r>
+            <a:r>
+              <a:rPr lang="en-US" sz="2900" dirty="0" smtClean="0">
+                <a:ln>
+                  <a:solidFill>
+                    <a:schemeClr val="bg1">
+                      <a:lumMod val="75000"/>
+                      <a:lumOff val="25000"/>
+                    </a:schemeClr>
+                  </a:solidFill>
+                </a:ln>
+                <a:solidFill>
+                  <a:schemeClr val="bg1">
+                    <a:lumMod val="75000"/>
+                    <a:lumOff val="25000"/>
+                  </a:schemeClr>
+                </a:solidFill>
+                <a:latin typeface="Arial Unicode MS" pitchFamily="34" charset="-128"/>
+                <a:ea typeface="Arial Unicode MS" pitchFamily="34" charset="-128"/>
+                <a:cs typeface="Arial Unicode MS" pitchFamily="34" charset="-128"/>
+              </a:rPr>
+              <a:t>appears </a:t>
+            </a:r>
+            <a:r>
+              <a:rPr lang="en-US" sz="2900" smtClean="0">
+                <a:ln>
+                  <a:solidFill>
+                    <a:schemeClr val="bg1">
+                      <a:lumMod val="75000"/>
+                      <a:lumOff val="25000"/>
+                    </a:schemeClr>
+                  </a:solidFill>
+                </a:ln>
+                <a:solidFill>
+                  <a:schemeClr val="bg1">
+                    <a:lumMod val="75000"/>
+                    <a:lumOff val="25000"/>
+                  </a:schemeClr>
+                </a:solidFill>
+                <a:latin typeface="Arial Unicode MS" pitchFamily="34" charset="-128"/>
+                <a:ea typeface="Arial Unicode MS" pitchFamily="34" charset="-128"/>
+                <a:cs typeface="Arial Unicode MS" pitchFamily="34" charset="-128"/>
+              </a:rPr>
+              <a:t>on </a:t>
+            </a:r>
+            <a:r>
+              <a:rPr lang="en-US" sz="2900" smtClean="0">
+                <a:ln>
+                  <a:solidFill>
+                    <a:schemeClr val="bg1">
+                      <a:lumMod val="75000"/>
+                      <a:lumOff val="25000"/>
+                    </a:schemeClr>
+                  </a:solidFill>
+                </a:ln>
+                <a:solidFill>
+                  <a:schemeClr val="bg1">
+                    <a:lumMod val="75000"/>
+                    <a:lumOff val="25000"/>
+                  </a:schemeClr>
+                </a:solidFill>
+                <a:latin typeface="Arial Unicode MS" pitchFamily="34" charset="-128"/>
+                <a:ea typeface="Arial Unicode MS" pitchFamily="34" charset="-128"/>
+                <a:cs typeface="Arial Unicode MS" pitchFamily="34" charset="-128"/>
+              </a:rPr>
+              <a:t>profile </a:t>
+            </a:r>
+            <a:r>
+              <a:rPr lang="en-US" sz="2900" dirty="0" smtClean="0">
+                <a:ln>
+                  <a:solidFill>
+                    <a:schemeClr val="bg1">
+                      <a:lumMod val="75000"/>
+                      <a:lumOff val="25000"/>
+                    </a:schemeClr>
+                  </a:solidFill>
+                </a:ln>
+                <a:solidFill>
+                  <a:schemeClr val="bg1">
+                    <a:lumMod val="75000"/>
+                    <a:lumOff val="25000"/>
+                  </a:schemeClr>
+                </a:solidFill>
+                <a:latin typeface="Arial Unicode MS" pitchFamily="34" charset="-128"/>
+                <a:ea typeface="Arial Unicode MS" pitchFamily="34" charset="-128"/>
+                <a:cs typeface="Arial Unicode MS" pitchFamily="34" charset="-128"/>
+              </a:rPr>
+              <a:t>page</a:t>
             </a:r>
           </a:p>
           <a:p>

--- a/Demo/Demo3.pptx
+++ b/Demo/Demo3.pptx
@@ -6003,32 +6003,10 @@
                 <a:ea typeface="Arial Unicode MS" pitchFamily="34" charset="-128"/>
                 <a:cs typeface="Arial Unicode MS" pitchFamily="34" charset="-128"/>
               </a:rPr>
-              <a:t>appears </a:t>
-            </a:r>
-            <a:r>
-              <a:rPr lang="en-US" sz="2900" smtClean="0">
-                <a:ln>
-                  <a:solidFill>
-                    <a:schemeClr val="bg1">
-                      <a:lumMod val="75000"/>
-                      <a:lumOff val="25000"/>
-                    </a:schemeClr>
-                  </a:solidFill>
-                </a:ln>
-                <a:solidFill>
-                  <a:schemeClr val="bg1">
-                    <a:lumMod val="75000"/>
-                    <a:lumOff val="25000"/>
-                  </a:schemeClr>
-                </a:solidFill>
-                <a:latin typeface="Arial Unicode MS" pitchFamily="34" charset="-128"/>
-                <a:ea typeface="Arial Unicode MS" pitchFamily="34" charset="-128"/>
-                <a:cs typeface="Arial Unicode MS" pitchFamily="34" charset="-128"/>
-              </a:rPr>
-              <a:t>on </a:t>
-            </a:r>
-            <a:r>
-              <a:rPr lang="en-US" sz="2900" smtClean="0">
+              <a:t>appears on </a:t>
+            </a:r>
+            <a:r>
+              <a:rPr lang="en-US" sz="2900" dirty="0" smtClean="0">
                 <a:ln>
                   <a:solidFill>
                     <a:schemeClr val="bg1">
@@ -6683,6 +6661,50 @@
               <a:t>	</a:t>
             </a:r>
             <a:r>
+              <a:rPr lang="en-US" sz="3600" smtClean="0">
+                <a:ln>
+                  <a:solidFill>
+                    <a:schemeClr val="bg1">
+                      <a:lumMod val="75000"/>
+                      <a:lumOff val="25000"/>
+                    </a:schemeClr>
+                  </a:solidFill>
+                </a:ln>
+                <a:solidFill>
+                  <a:schemeClr val="bg1">
+                    <a:lumMod val="75000"/>
+                    <a:lumOff val="25000"/>
+                  </a:schemeClr>
+                </a:solidFill>
+                <a:latin typeface="Arial Unicode MS" pitchFamily="34" charset="-128"/>
+                <a:ea typeface="Arial Unicode MS" pitchFamily="34" charset="-128"/>
+                <a:cs typeface="Arial Unicode MS" pitchFamily="34" charset="-128"/>
+              </a:rPr>
+              <a:t>- </a:t>
+            </a:r>
+            <a:r>
+              <a:rPr lang="en-US" sz="3600" smtClean="0">
+                <a:ln>
+                  <a:solidFill>
+                    <a:schemeClr val="bg1">
+                      <a:lumMod val="75000"/>
+                      <a:lumOff val="25000"/>
+                    </a:schemeClr>
+                  </a:solidFill>
+                </a:ln>
+                <a:solidFill>
+                  <a:schemeClr val="bg1">
+                    <a:lumMod val="75000"/>
+                    <a:lumOff val="25000"/>
+                  </a:schemeClr>
+                </a:solidFill>
+                <a:latin typeface="Arial Unicode MS" pitchFamily="34" charset="-128"/>
+                <a:ea typeface="Arial Unicode MS" pitchFamily="34" charset="-128"/>
+                <a:cs typeface="Arial Unicode MS" pitchFamily="34" charset="-128"/>
+              </a:rPr>
+              <a:t>Gather </a:t>
+            </a:r>
+            <a:r>
               <a:rPr lang="en-US" sz="3600" dirty="0" smtClean="0">
                 <a:ln>
                   <a:solidFill>
@@ -6702,7 +6724,7 @@
                 <a:ea typeface="Arial Unicode MS" pitchFamily="34" charset="-128"/>
                 <a:cs typeface="Arial Unicode MS" pitchFamily="34" charset="-128"/>
               </a:rPr>
-              <a:t>- Gathering user and system history</a:t>
+              <a:t>user and system history</a:t>
             </a:r>
           </a:p>
           <a:p>

--- a/Demo/Demo3.pptx
+++ b/Demo/Demo3.pptx
@@ -115,7 +115,7 @@
   </p:defaultTextStyle>
   <p:extLst>
     <p:ext uri="{EFAFB233-063F-42B5-8137-9DF3F51BA10A}">
-      <p15:sldGuideLst xmlns:p15="http://schemas.microsoft.com/office/powerpoint/2012/main">
+      <p15:sldGuideLst xmlns:p15="http://schemas.microsoft.com/office/powerpoint/2012/main" xmlns="">
         <p15:guide id="1" orient="horz" pos="2160">
           <p15:clr>
             <a:srgbClr val="A4A3A4"/>
@@ -422,7 +422,8 @@
           <a:p>
             <a:fld id="{7F015566-082B-418D-AA60-C795F4B71E65}" type="datetimeFigureOut">
               <a:rPr lang="en-ZA" smtClean="0"/>
-              <a:t>2015-08-21</a:t>
+              <a:pPr/>
+              <a:t>2015/08/21</a:t>
             </a:fld>
             <a:endParaRPr lang="en-ZA"/>
           </a:p>
@@ -445,6 +446,7 @@
           <a:p>
             <a:fld id="{49E72126-7F2A-47C9-BFC3-034C5306EB33}" type="slidenum">
               <a:rPr lang="en-ZA" smtClean="0"/>
+              <a:pPr/>
               <a:t>‹#›</a:t>
             </a:fld>
             <a:endParaRPr lang="en-ZA"/>
@@ -587,7 +589,8 @@
           <a:p>
             <a:fld id="{7F015566-082B-418D-AA60-C795F4B71E65}" type="datetimeFigureOut">
               <a:rPr lang="en-ZA" smtClean="0"/>
-              <a:t>2015-08-21</a:t>
+              <a:pPr/>
+              <a:t>2015/08/21</a:t>
             </a:fld>
             <a:endParaRPr lang="en-ZA"/>
           </a:p>
@@ -629,6 +632,7 @@
           <a:p>
             <a:fld id="{49E72126-7F2A-47C9-BFC3-034C5306EB33}" type="slidenum">
               <a:rPr lang="en-ZA" smtClean="0"/>
+              <a:pPr/>
               <a:t>‹#›</a:t>
             </a:fld>
             <a:endParaRPr lang="en-ZA"/>
@@ -762,7 +766,8 @@
           <a:p>
             <a:fld id="{7F015566-082B-418D-AA60-C795F4B71E65}" type="datetimeFigureOut">
               <a:rPr lang="en-ZA" smtClean="0"/>
-              <a:t>2015-08-21</a:t>
+              <a:pPr/>
+              <a:t>2015/08/21</a:t>
             </a:fld>
             <a:endParaRPr lang="en-ZA"/>
           </a:p>
@@ -804,6 +809,7 @@
           <a:p>
             <a:fld id="{49E72126-7F2A-47C9-BFC3-034C5306EB33}" type="slidenum">
               <a:rPr lang="en-ZA" smtClean="0"/>
+              <a:pPr/>
               <a:t>‹#›</a:t>
             </a:fld>
             <a:endParaRPr lang="en-ZA"/>
@@ -909,7 +915,8 @@
           <a:p>
             <a:fld id="{7F015566-082B-418D-AA60-C795F4B71E65}" type="datetimeFigureOut">
               <a:rPr lang="en-ZA" smtClean="0"/>
-              <a:t>2015-08-21</a:t>
+              <a:pPr/>
+              <a:t>2015/08/21</a:t>
             </a:fld>
             <a:endParaRPr lang="en-ZA"/>
           </a:p>
@@ -936,6 +943,7 @@
           <a:p>
             <a:fld id="{49E72126-7F2A-47C9-BFC3-034C5306EB33}" type="slidenum">
               <a:rPr lang="en-ZA" smtClean="0"/>
+              <a:pPr/>
               <a:t>‹#›</a:t>
             </a:fld>
             <a:endParaRPr lang="en-ZA"/>
@@ -1026,7 +1034,8 @@
           <a:p>
             <a:fld id="{7F015566-082B-418D-AA60-C795F4B71E65}" type="datetimeFigureOut">
               <a:rPr lang="en-ZA" smtClean="0"/>
-              <a:t>2015-08-21</a:t>
+              <a:pPr/>
+              <a:t>2015/08/21</a:t>
             </a:fld>
             <a:endParaRPr lang="en-ZA"/>
           </a:p>
@@ -1068,6 +1077,7 @@
           <a:p>
             <a:fld id="{49E72126-7F2A-47C9-BFC3-034C5306EB33}" type="slidenum">
               <a:rPr lang="en-ZA" smtClean="0"/>
+              <a:pPr/>
               <a:t>‹#›</a:t>
             </a:fld>
             <a:endParaRPr lang="en-ZA"/>
@@ -1296,7 +1306,8 @@
           <a:p>
             <a:fld id="{7F015566-082B-418D-AA60-C795F4B71E65}" type="datetimeFigureOut">
               <a:rPr lang="en-ZA" smtClean="0"/>
-              <a:t>2015-08-21</a:t>
+              <a:pPr/>
+              <a:t>2015/08/21</a:t>
             </a:fld>
             <a:endParaRPr lang="en-ZA"/>
           </a:p>
@@ -1338,6 +1349,7 @@
           <a:p>
             <a:fld id="{49E72126-7F2A-47C9-BFC3-034C5306EB33}" type="slidenum">
               <a:rPr lang="en-ZA" smtClean="0"/>
+              <a:pPr/>
               <a:t>‹#›</a:t>
             </a:fld>
             <a:endParaRPr lang="en-ZA"/>
@@ -1523,6 +1535,7 @@
           <a:p>
             <a:fld id="{49E72126-7F2A-47C9-BFC3-034C5306EB33}" type="slidenum">
               <a:rPr lang="en-ZA" smtClean="0"/>
+              <a:pPr/>
               <a:t>‹#›</a:t>
             </a:fld>
             <a:endParaRPr lang="en-ZA"/>
@@ -1565,7 +1578,8 @@
           <a:p>
             <a:fld id="{7F015566-082B-418D-AA60-C795F4B71E65}" type="datetimeFigureOut">
               <a:rPr lang="en-ZA" smtClean="0"/>
-              <a:t>2015-08-21</a:t>
+              <a:pPr/>
+              <a:t>2015/08/21</a:t>
             </a:fld>
             <a:endParaRPr lang="en-ZA"/>
           </a:p>
@@ -2012,7 +2026,8 @@
           <a:p>
             <a:fld id="{7F015566-082B-418D-AA60-C795F4B71E65}" type="datetimeFigureOut">
               <a:rPr lang="en-ZA" smtClean="0"/>
-              <a:t>2015-08-21</a:t>
+              <a:pPr/>
+              <a:t>2015/08/21</a:t>
             </a:fld>
             <a:endParaRPr lang="en-ZA"/>
           </a:p>
@@ -2054,6 +2069,7 @@
           <a:p>
             <a:fld id="{49E72126-7F2A-47C9-BFC3-034C5306EB33}" type="slidenum">
               <a:rPr lang="en-ZA" smtClean="0"/>
+              <a:pPr/>
               <a:t>‹#›</a:t>
             </a:fld>
             <a:endParaRPr lang="en-ZA"/>
@@ -2125,7 +2141,8 @@
           <a:p>
             <a:fld id="{7F015566-082B-418D-AA60-C795F4B71E65}" type="datetimeFigureOut">
               <a:rPr lang="en-ZA" smtClean="0"/>
-              <a:t>2015-08-21</a:t>
+              <a:pPr/>
+              <a:t>2015/08/21</a:t>
             </a:fld>
             <a:endParaRPr lang="en-ZA"/>
           </a:p>
@@ -2167,6 +2184,7 @@
           <a:p>
             <a:fld id="{49E72126-7F2A-47C9-BFC3-034C5306EB33}" type="slidenum">
               <a:rPr lang="en-ZA" smtClean="0"/>
+              <a:pPr/>
               <a:t>‹#›</a:t>
             </a:fld>
             <a:endParaRPr lang="en-ZA"/>
@@ -2375,7 +2393,8 @@
           <a:p>
             <a:fld id="{7F015566-082B-418D-AA60-C795F4B71E65}" type="datetimeFigureOut">
               <a:rPr lang="en-ZA" smtClean="0"/>
-              <a:t>2015-08-21</a:t>
+              <a:pPr/>
+              <a:t>2015/08/21</a:t>
             </a:fld>
             <a:endParaRPr lang="en-ZA"/>
           </a:p>
@@ -2398,6 +2417,7 @@
           <a:p>
             <a:fld id="{49E72126-7F2A-47C9-BFC3-034C5306EB33}" type="slidenum">
               <a:rPr lang="en-ZA" smtClean="0"/>
+              <a:pPr/>
               <a:t>‹#›</a:t>
             </a:fld>
             <a:endParaRPr lang="en-ZA"/>
@@ -2615,7 +2635,8 @@
           <a:p>
             <a:fld id="{7F015566-082B-418D-AA60-C795F4B71E65}" type="datetimeFigureOut">
               <a:rPr lang="en-ZA" smtClean="0"/>
-              <a:t>2015-08-21</a:t>
+              <a:pPr/>
+              <a:t>2015/08/21</a:t>
             </a:fld>
             <a:endParaRPr lang="en-ZA"/>
           </a:p>
@@ -2638,6 +2659,7 @@
           <a:p>
             <a:fld id="{49E72126-7F2A-47C9-BFC3-034C5306EB33}" type="slidenum">
               <a:rPr lang="en-ZA" smtClean="0"/>
+              <a:pPr/>
               <a:t>‹#›</a:t>
             </a:fld>
             <a:endParaRPr lang="en-ZA"/>
@@ -2788,7 +2810,8 @@
           <a:p>
             <a:fld id="{7F015566-082B-418D-AA60-C795F4B71E65}" type="datetimeFigureOut">
               <a:rPr lang="en-ZA" smtClean="0"/>
-              <a:t>2015-08-21</a:t>
+              <a:pPr/>
+              <a:t>2015/08/21</a:t>
             </a:fld>
             <a:endParaRPr lang="en-ZA"/>
           </a:p>
@@ -2865,6 +2888,7 @@
           <a:p>
             <a:fld id="{49E72126-7F2A-47C9-BFC3-034C5306EB33}" type="slidenum">
               <a:rPr lang="en-ZA" smtClean="0"/>
+              <a:pPr/>
               <a:t>‹#›</a:t>
             </a:fld>
             <a:endParaRPr lang="en-ZA"/>
@@ -3621,7 +3645,7 @@
       </p:sp>
       <p:pic>
         <p:nvPicPr>
-          <p:cNvPr id="7170" name="Picture 2" descr="http://2.bp.blogspot.com/-YOpwxFArNdY/VDsexOZeoOI/AAAAAAAAAjk/wcGEvJQVqag/s1600/persons-0016_large.png"/>
+          <p:cNvPr id="5" name="Picture 2" descr="https://kendallwilson3.files.wordpress.com/2014/11/slider-baby-excited-940x420.jpg"/>
           <p:cNvPicPr>
             <a:picLocks noChangeAspect="1" noChangeArrowheads="1"/>
           </p:cNvPicPr>
@@ -3636,8 +3660,8 @@
         </p:blipFill>
         <p:spPr bwMode="auto">
           <a:xfrm>
-            <a:off x="2555776" y="2452835"/>
-            <a:ext cx="4000500" cy="4000501"/>
+            <a:off x="664790" y="2636912"/>
+            <a:ext cx="7867650" cy="3514726"/>
           </a:xfrm>
           <a:prstGeom prst="rect">
             <a:avLst/>
@@ -3844,25 +3868,6 @@
               </a:rPr>
               <a:t>~ Enhancements </a:t>
             </a:r>
-            <a:endParaRPr lang="en-US" sz="3300" dirty="0" smtClean="0">
-              <a:ln>
-                <a:solidFill>
-                  <a:schemeClr val="bg1">
-                    <a:lumMod val="75000"/>
-                    <a:lumOff val="25000"/>
-                  </a:schemeClr>
-                </a:solidFill>
-              </a:ln>
-              <a:solidFill>
-                <a:schemeClr val="bg1">
-                  <a:lumMod val="75000"/>
-                  <a:lumOff val="25000"/>
-                </a:schemeClr>
-              </a:solidFill>
-              <a:latin typeface="Arial Unicode MS" pitchFamily="34" charset="-128"/>
-              <a:ea typeface="Arial Unicode MS" pitchFamily="34" charset="-128"/>
-              <a:cs typeface="Arial Unicode MS" pitchFamily="34" charset="-128"/>
-            </a:endParaRPr>
           </a:p>
           <a:p>
             <a:r>
@@ -3885,29 +3890,7 @@
                 <a:ea typeface="Arial Unicode MS" pitchFamily="34" charset="-128"/>
                 <a:cs typeface="Arial Unicode MS" pitchFamily="34" charset="-128"/>
               </a:rPr>
-              <a:t>~ </a:t>
-            </a:r>
-            <a:r>
-              <a:rPr lang="en-US" sz="3300" dirty="0" smtClean="0">
-                <a:ln>
-                  <a:solidFill>
-                    <a:schemeClr val="bg1">
-                      <a:lumMod val="75000"/>
-                      <a:lumOff val="25000"/>
-                    </a:schemeClr>
-                  </a:solidFill>
-                </a:ln>
-                <a:solidFill>
-                  <a:schemeClr val="bg1">
-                    <a:lumMod val="75000"/>
-                    <a:lumOff val="25000"/>
-                  </a:schemeClr>
-                </a:solidFill>
-                <a:latin typeface="Arial Unicode MS" pitchFamily="34" charset="-128"/>
-                <a:ea typeface="Arial Unicode MS" pitchFamily="34" charset="-128"/>
-                <a:cs typeface="Arial Unicode MS" pitchFamily="34" charset="-128"/>
-              </a:rPr>
-              <a:t>Next sprints</a:t>
+              <a:t>~ Next sprints</a:t>
             </a:r>
           </a:p>
           <a:p>
@@ -4198,8 +4181,10 @@
                 <a:ea typeface="Arial Unicode MS" pitchFamily="34" charset="-128"/>
                 <a:cs typeface="Arial Unicode MS" pitchFamily="34" charset="-128"/>
               </a:rPr>
-              <a:t>~ </a:t>
-            </a:r>
+              <a:t>~ Agile - scrum method</a:t>
+            </a:r>
+          </a:p>
+          <a:p>
             <a:r>
               <a:rPr lang="en-US" sz="3300" dirty="0" smtClean="0">
                 <a:ln>
@@ -4220,97 +4205,7 @@
                 <a:ea typeface="Arial Unicode MS" pitchFamily="34" charset="-128"/>
                 <a:cs typeface="Arial Unicode MS" pitchFamily="34" charset="-128"/>
               </a:rPr>
-              <a:t>Agile - </a:t>
-            </a:r>
-            <a:r>
-              <a:rPr lang="en-US" sz="3300" dirty="0" smtClean="0">
-                <a:ln>
-                  <a:solidFill>
-                    <a:schemeClr val="bg1">
-                      <a:lumMod val="75000"/>
-                      <a:lumOff val="25000"/>
-                    </a:schemeClr>
-                  </a:solidFill>
-                </a:ln>
-                <a:solidFill>
-                  <a:schemeClr val="bg1">
-                    <a:lumMod val="75000"/>
-                    <a:lumOff val="25000"/>
-                  </a:schemeClr>
-                </a:solidFill>
-                <a:latin typeface="Arial Unicode MS" pitchFamily="34" charset="-128"/>
-                <a:ea typeface="Arial Unicode MS" pitchFamily="34" charset="-128"/>
-                <a:cs typeface="Arial Unicode MS" pitchFamily="34" charset="-128"/>
-              </a:rPr>
-              <a:t>scrum method</a:t>
-            </a:r>
-          </a:p>
-          <a:p>
-            <a:r>
-              <a:rPr lang="en-US" sz="3300" dirty="0" smtClean="0">
-                <a:ln>
-                  <a:solidFill>
-                    <a:schemeClr val="bg1">
-                      <a:lumMod val="75000"/>
-                      <a:lumOff val="25000"/>
-                    </a:schemeClr>
-                  </a:solidFill>
-                </a:ln>
-                <a:solidFill>
-                  <a:schemeClr val="bg1">
-                    <a:lumMod val="75000"/>
-                    <a:lumOff val="25000"/>
-                  </a:schemeClr>
-                </a:solidFill>
-                <a:latin typeface="Arial Unicode MS" pitchFamily="34" charset="-128"/>
-                <a:ea typeface="Arial Unicode MS" pitchFamily="34" charset="-128"/>
-                <a:cs typeface="Arial Unicode MS" pitchFamily="34" charset="-128"/>
-              </a:rPr>
-              <a:t>~ Sprints </a:t>
-            </a:r>
-            <a:r>
-              <a:rPr lang="en-US" sz="3300" dirty="0" smtClean="0">
-                <a:ln>
-                  <a:solidFill>
-                    <a:schemeClr val="bg1">
-                      <a:lumMod val="75000"/>
-                      <a:lumOff val="25000"/>
-                    </a:schemeClr>
-                  </a:solidFill>
-                </a:ln>
-                <a:solidFill>
-                  <a:schemeClr val="bg1">
-                    <a:lumMod val="75000"/>
-                    <a:lumOff val="25000"/>
-                  </a:schemeClr>
-                </a:solidFill>
-                <a:latin typeface="Arial Unicode MS" pitchFamily="34" charset="-128"/>
-                <a:ea typeface="Arial Unicode MS" pitchFamily="34" charset="-128"/>
-                <a:cs typeface="Arial Unicode MS" pitchFamily="34" charset="-128"/>
-              </a:rPr>
-              <a:t>- </a:t>
-            </a:r>
-            <a:r>
-              <a:rPr lang="en-US" sz="3300" dirty="0" smtClean="0">
-                <a:ln>
-                  <a:solidFill>
-                    <a:schemeClr val="bg1">
-                      <a:lumMod val="75000"/>
-                      <a:lumOff val="25000"/>
-                    </a:schemeClr>
-                  </a:solidFill>
-                </a:ln>
-                <a:solidFill>
-                  <a:schemeClr val="bg1">
-                    <a:lumMod val="75000"/>
-                    <a:lumOff val="25000"/>
-                  </a:schemeClr>
-                </a:solidFill>
-                <a:latin typeface="Arial Unicode MS" pitchFamily="34" charset="-128"/>
-                <a:ea typeface="Arial Unicode MS" pitchFamily="34" charset="-128"/>
-                <a:cs typeface="Arial Unicode MS" pitchFamily="34" charset="-128"/>
-              </a:rPr>
-              <a:t>7 phases (4/7 complete)</a:t>
+              <a:t>~ Sprints - 7 phases (4/7 complete)</a:t>
             </a:r>
           </a:p>
           <a:p>
@@ -4693,51 +4588,7 @@
                 <a:ea typeface="Arial Unicode MS" pitchFamily="34" charset="-128"/>
                 <a:cs typeface="Arial Unicode MS" pitchFamily="34" charset="-128"/>
               </a:rPr>
-              <a:t>~ Unit </a:t>
-            </a:r>
-            <a:r>
-              <a:rPr lang="en-US" sz="3200" dirty="0" smtClean="0">
-                <a:ln>
-                  <a:solidFill>
-                    <a:schemeClr val="bg1">
-                      <a:lumMod val="75000"/>
-                      <a:lumOff val="25000"/>
-                    </a:schemeClr>
-                  </a:solidFill>
-                </a:ln>
-                <a:solidFill>
-                  <a:schemeClr val="bg1">
-                    <a:lumMod val="75000"/>
-                    <a:lumOff val="25000"/>
-                  </a:schemeClr>
-                </a:solidFill>
-                <a:latin typeface="Arial Unicode MS" pitchFamily="34" charset="-128"/>
-                <a:ea typeface="Arial Unicode MS" pitchFamily="34" charset="-128"/>
-                <a:cs typeface="Arial Unicode MS" pitchFamily="34" charset="-128"/>
-              </a:rPr>
-              <a:t>testing </a:t>
-            </a:r>
-            <a:r>
-              <a:rPr lang="en-US" sz="3200" dirty="0" smtClean="0">
-                <a:ln>
-                  <a:solidFill>
-                    <a:schemeClr val="bg1">
-                      <a:lumMod val="75000"/>
-                      <a:lumOff val="25000"/>
-                    </a:schemeClr>
-                  </a:solidFill>
-                </a:ln>
-                <a:solidFill>
-                  <a:schemeClr val="bg1">
-                    <a:lumMod val="75000"/>
-                    <a:lumOff val="25000"/>
-                  </a:schemeClr>
-                </a:solidFill>
-                <a:latin typeface="Arial Unicode MS" pitchFamily="34" charset="-128"/>
-                <a:ea typeface="Arial Unicode MS" pitchFamily="34" charset="-128"/>
-                <a:cs typeface="Arial Unicode MS" pitchFamily="34" charset="-128"/>
-              </a:rPr>
-              <a:t>and showed unit testing for</a:t>
+              <a:t>~ Unit testing and showed unit testing for</a:t>
             </a:r>
           </a:p>
           <a:p>
@@ -5141,117 +4992,7 @@
                 <a:ea typeface="Arial Unicode MS" pitchFamily="34" charset="-128"/>
                 <a:cs typeface="Arial Unicode MS" pitchFamily="34" charset="-128"/>
               </a:rPr>
-              <a:t>- </a:t>
-            </a:r>
-            <a:r>
-              <a:rPr lang="en-US" sz="3300" dirty="0" smtClean="0">
-                <a:ln>
-                  <a:solidFill>
-                    <a:schemeClr val="bg1">
-                      <a:lumMod val="75000"/>
-                      <a:lumOff val="25000"/>
-                    </a:schemeClr>
-                  </a:solidFill>
-                </a:ln>
-                <a:solidFill>
-                  <a:schemeClr val="bg1">
-                    <a:lumMod val="75000"/>
-                    <a:lumOff val="25000"/>
-                  </a:schemeClr>
-                </a:solidFill>
-                <a:latin typeface="Arial Unicode MS" pitchFamily="34" charset="-128"/>
-                <a:ea typeface="Arial Unicode MS" pitchFamily="34" charset="-128"/>
-                <a:cs typeface="Arial Unicode MS" pitchFamily="34" charset="-128"/>
-              </a:rPr>
-              <a:t>When </a:t>
-            </a:r>
-            <a:r>
-              <a:rPr lang="en-US" sz="3300" dirty="0" smtClean="0">
-                <a:ln>
-                  <a:solidFill>
-                    <a:schemeClr val="bg1">
-                      <a:lumMod val="75000"/>
-                      <a:lumOff val="25000"/>
-                    </a:schemeClr>
-                  </a:solidFill>
-                </a:ln>
-                <a:solidFill>
-                  <a:schemeClr val="bg1">
-                    <a:lumMod val="75000"/>
-                    <a:lumOff val="25000"/>
-                  </a:schemeClr>
-                </a:solidFill>
-                <a:latin typeface="Arial Unicode MS" pitchFamily="34" charset="-128"/>
-                <a:ea typeface="Arial Unicode MS" pitchFamily="34" charset="-128"/>
-                <a:cs typeface="Arial Unicode MS" pitchFamily="34" charset="-128"/>
-              </a:rPr>
-              <a:t>an order is </a:t>
-            </a:r>
-            <a:r>
-              <a:rPr lang="en-US" sz="3300" dirty="0" smtClean="0">
-                <a:ln>
-                  <a:solidFill>
-                    <a:schemeClr val="bg1">
-                      <a:lumMod val="75000"/>
-                      <a:lumOff val="25000"/>
-                    </a:schemeClr>
-                  </a:solidFill>
-                </a:ln>
-                <a:solidFill>
-                  <a:schemeClr val="bg1">
-                    <a:lumMod val="75000"/>
-                    <a:lumOff val="25000"/>
-                  </a:schemeClr>
-                </a:solidFill>
-                <a:latin typeface="Arial Unicode MS" pitchFamily="34" charset="-128"/>
-                <a:ea typeface="Arial Unicode MS" pitchFamily="34" charset="-128"/>
-                <a:cs typeface="Arial Unicode MS" pitchFamily="34" charset="-128"/>
-              </a:rPr>
-              <a:t>ready, the cashier 	   will mark </a:t>
-            </a:r>
-            <a:r>
-              <a:rPr lang="en-US" sz="3300" dirty="0" smtClean="0">
-                <a:ln>
-                  <a:solidFill>
-                    <a:schemeClr val="bg1">
-                      <a:lumMod val="75000"/>
-                      <a:lumOff val="25000"/>
-                    </a:schemeClr>
-                  </a:solidFill>
-                </a:ln>
-                <a:solidFill>
-                  <a:schemeClr val="bg1">
-                    <a:lumMod val="75000"/>
-                    <a:lumOff val="25000"/>
-                  </a:schemeClr>
-                </a:solidFill>
-                <a:latin typeface="Arial Unicode MS" pitchFamily="34" charset="-128"/>
-                <a:ea typeface="Arial Unicode MS" pitchFamily="34" charset="-128"/>
-                <a:cs typeface="Arial Unicode MS" pitchFamily="34" charset="-128"/>
-              </a:rPr>
-              <a:t>it as done and trigger an </a:t>
-            </a:r>
-            <a:r>
-              <a:rPr lang="en-US" sz="3300" dirty="0" smtClean="0">
-                <a:ln>
-                  <a:solidFill>
-                    <a:schemeClr val="bg1">
-                      <a:lumMod val="75000"/>
-                      <a:lumOff val="25000"/>
-                    </a:schemeClr>
-                  </a:solidFill>
-                </a:ln>
-                <a:solidFill>
-                  <a:schemeClr val="bg1">
-                    <a:lumMod val="75000"/>
-                    <a:lumOff val="25000"/>
-                  </a:schemeClr>
-                </a:solidFill>
-                <a:latin typeface="Arial Unicode MS" pitchFamily="34" charset="-128"/>
-                <a:ea typeface="Arial Unicode MS" pitchFamily="34" charset="-128"/>
-                <a:cs typeface="Arial Unicode MS" pitchFamily="34" charset="-128"/>
-              </a:rPr>
-              <a:t>e-	   mail notification.</a:t>
+              <a:t>- When an order is ready, the cashier 	   will mark it as done and trigger an e-	   mail notification.</a:t>
             </a:r>
             <a:r>
               <a:rPr lang="en-US" sz="3300" dirty="0">
@@ -5384,7 +5125,31 @@
                 <a:ea typeface="Arial Unicode MS" pitchFamily="34" charset="-128"/>
                 <a:cs typeface="Arial Unicode MS" pitchFamily="34" charset="-128"/>
               </a:rPr>
-              <a:t>   it deducted from their </a:t>
+              <a:t>   it deducted from their salary.</a:t>
+            </a:r>
+          </a:p>
+          <a:p>
+            <a:r>
+              <a:rPr lang="en-US" sz="3300" dirty="0">
+                <a:ln>
+                  <a:solidFill>
+                    <a:schemeClr val="bg1">
+                      <a:lumMod val="75000"/>
+                      <a:lumOff val="25000"/>
+                    </a:schemeClr>
+                  </a:solidFill>
+                </a:ln>
+                <a:solidFill>
+                  <a:schemeClr val="bg1">
+                    <a:lumMod val="75000"/>
+                    <a:lumOff val="25000"/>
+                  </a:schemeClr>
+                </a:solidFill>
+                <a:latin typeface="Arial Unicode MS" pitchFamily="34" charset="-128"/>
+                <a:ea typeface="Arial Unicode MS" pitchFamily="34" charset="-128"/>
+                <a:cs typeface="Arial Unicode MS" pitchFamily="34" charset="-128"/>
+              </a:rPr>
+              <a:t>	</a:t>
             </a:r>
             <a:r>
               <a:rPr lang="en-US" sz="3300" dirty="0" smtClean="0">
@@ -5406,94 +5171,7 @@
                 <a:ea typeface="Arial Unicode MS" pitchFamily="34" charset="-128"/>
                 <a:cs typeface="Arial Unicode MS" pitchFamily="34" charset="-128"/>
               </a:rPr>
-              <a:t>salary.</a:t>
-            </a:r>
-            <a:endParaRPr lang="en-US" sz="3300" dirty="0" smtClean="0">
-              <a:ln>
-                <a:solidFill>
-                  <a:schemeClr val="bg1">
-                    <a:lumMod val="75000"/>
-                    <a:lumOff val="25000"/>
-                  </a:schemeClr>
-                </a:solidFill>
-              </a:ln>
-              <a:solidFill>
-                <a:schemeClr val="bg1">
-                  <a:lumMod val="75000"/>
-                  <a:lumOff val="25000"/>
-                </a:schemeClr>
-              </a:solidFill>
-              <a:latin typeface="Arial Unicode MS" pitchFamily="34" charset="-128"/>
-              <a:ea typeface="Arial Unicode MS" pitchFamily="34" charset="-128"/>
-              <a:cs typeface="Arial Unicode MS" pitchFamily="34" charset="-128"/>
-            </a:endParaRPr>
-          </a:p>
-          <a:p>
-            <a:r>
-              <a:rPr lang="en-US" sz="3300" dirty="0">
-                <a:ln>
-                  <a:solidFill>
-                    <a:schemeClr val="bg1">
-                      <a:lumMod val="75000"/>
-                      <a:lumOff val="25000"/>
-                    </a:schemeClr>
-                  </a:solidFill>
-                </a:ln>
-                <a:solidFill>
-                  <a:schemeClr val="bg1">
-                    <a:lumMod val="75000"/>
-                    <a:lumOff val="25000"/>
-                  </a:schemeClr>
-                </a:solidFill>
-                <a:latin typeface="Arial Unicode MS" pitchFamily="34" charset="-128"/>
-                <a:ea typeface="Arial Unicode MS" pitchFamily="34" charset="-128"/>
-                <a:cs typeface="Arial Unicode MS" pitchFamily="34" charset="-128"/>
-              </a:rPr>
-              <a:t>	</a:t>
-            </a:r>
-            <a:r>
-              <a:rPr lang="en-US" sz="3300" dirty="0" smtClean="0">
-                <a:ln>
-                  <a:solidFill>
-                    <a:schemeClr val="bg1">
-                      <a:lumMod val="75000"/>
-                      <a:lumOff val="25000"/>
-                    </a:schemeClr>
-                  </a:solidFill>
-                </a:ln>
-                <a:solidFill>
-                  <a:schemeClr val="bg1">
-                    <a:lumMod val="75000"/>
-                    <a:lumOff val="25000"/>
-                  </a:schemeClr>
-                </a:solidFill>
-                <a:latin typeface="Arial Unicode MS" pitchFamily="34" charset="-128"/>
-                <a:ea typeface="Arial Unicode MS" pitchFamily="34" charset="-128"/>
-                <a:cs typeface="Arial Unicode MS" pitchFamily="34" charset="-128"/>
-              </a:rPr>
-              <a:t>- Documentation </a:t>
-            </a:r>
-            <a:r>
-              <a:rPr lang="en-US" sz="3300" dirty="0" smtClean="0">
-                <a:ln>
-                  <a:solidFill>
-                    <a:schemeClr val="bg1">
-                      <a:lumMod val="75000"/>
-                      <a:lumOff val="25000"/>
-                    </a:schemeClr>
-                  </a:solidFill>
-                </a:ln>
-                <a:solidFill>
-                  <a:schemeClr val="bg1">
-                    <a:lumMod val="75000"/>
-                    <a:lumOff val="25000"/>
-                  </a:schemeClr>
-                </a:solidFill>
-                <a:latin typeface="Arial Unicode MS" pitchFamily="34" charset="-128"/>
-                <a:ea typeface="Arial Unicode MS" pitchFamily="34" charset="-128"/>
-                <a:cs typeface="Arial Unicode MS" pitchFamily="34" charset="-128"/>
-              </a:rPr>
-              <a:t>updated.</a:t>
+              <a:t>- Documentation updated.</a:t>
             </a:r>
             <a:r>
               <a:rPr lang="en-ZA" sz="3600" dirty="0"/>
@@ -5739,7 +5417,31 @@
                 <a:ea typeface="Arial Unicode MS" pitchFamily="34" charset="-128"/>
                 <a:cs typeface="Arial Unicode MS" pitchFamily="34" charset="-128"/>
               </a:rPr>
-              <a:t>~ Working on a dynamic </a:t>
+              <a:t>~ Working on a dynamic menu category bar with </a:t>
+            </a:r>
+          </a:p>
+          <a:p>
+            <a:r>
+              <a:rPr lang="en-US" sz="2900" dirty="0">
+                <a:ln>
+                  <a:solidFill>
+                    <a:schemeClr val="bg1">
+                      <a:lumMod val="75000"/>
+                      <a:lumOff val="25000"/>
+                    </a:schemeClr>
+                  </a:solidFill>
+                </a:ln>
+                <a:solidFill>
+                  <a:schemeClr val="bg1">
+                    <a:lumMod val="75000"/>
+                    <a:lumOff val="25000"/>
+                  </a:schemeClr>
+                </a:solidFill>
+                <a:latin typeface="Arial Unicode MS" pitchFamily="34" charset="-128"/>
+                <a:ea typeface="Arial Unicode MS" pitchFamily="34" charset="-128"/>
+                <a:cs typeface="Arial Unicode MS" pitchFamily="34" charset="-128"/>
+              </a:rPr>
+              <a:t> </a:t>
             </a:r>
             <a:r>
               <a:rPr lang="en-US" sz="2900" dirty="0" smtClean="0">
@@ -5761,8 +5463,10 @@
                 <a:ea typeface="Arial Unicode MS" pitchFamily="34" charset="-128"/>
                 <a:cs typeface="Arial Unicode MS" pitchFamily="34" charset="-128"/>
               </a:rPr>
-              <a:t>menu </a:t>
-            </a:r>
+              <a:t>  dynamic pages</a:t>
+            </a:r>
+          </a:p>
+          <a:p>
             <a:r>
               <a:rPr lang="en-US" sz="2900" dirty="0" smtClean="0">
                 <a:ln>
@@ -5783,10 +5487,80 @@
                 <a:ea typeface="Arial Unicode MS" pitchFamily="34" charset="-128"/>
                 <a:cs typeface="Arial Unicode MS" pitchFamily="34" charset="-128"/>
               </a:rPr>
-              <a:t>category bar with </a:t>
-            </a:r>
-          </a:p>
-          <a:p>
+              <a:t>~ Users can add preferences to orders</a:t>
+            </a:r>
+          </a:p>
+          <a:p>
+            <a:r>
+              <a:rPr lang="en-US" sz="2900" dirty="0" smtClean="0">
+                <a:ln>
+                  <a:solidFill>
+                    <a:schemeClr val="bg1">
+                      <a:lumMod val="75000"/>
+                      <a:lumOff val="25000"/>
+                    </a:schemeClr>
+                  </a:solidFill>
+                </a:ln>
+                <a:solidFill>
+                  <a:schemeClr val="bg1">
+                    <a:lumMod val="75000"/>
+                    <a:lumOff val="25000"/>
+                  </a:schemeClr>
+                </a:solidFill>
+                <a:latin typeface="Arial Unicode MS" pitchFamily="34" charset="-128"/>
+                <a:ea typeface="Arial Unicode MS" pitchFamily="34" charset="-128"/>
+                <a:cs typeface="Arial Unicode MS" pitchFamily="34" charset="-128"/>
+              </a:rPr>
+              <a:t>~ Balance now appears on profile page</a:t>
+            </a:r>
+          </a:p>
+          <a:p>
+            <a:r>
+              <a:rPr lang="en-US" sz="2900" dirty="0" smtClean="0">
+                <a:ln>
+                  <a:solidFill>
+                    <a:schemeClr val="bg1">
+                      <a:lumMod val="75000"/>
+                      <a:lumOff val="25000"/>
+                    </a:schemeClr>
+                  </a:solidFill>
+                </a:ln>
+                <a:solidFill>
+                  <a:schemeClr val="bg1">
+                    <a:lumMod val="75000"/>
+                    <a:lumOff val="25000"/>
+                  </a:schemeClr>
+                </a:solidFill>
+                <a:latin typeface="Arial Unicode MS" pitchFamily="34" charset="-128"/>
+                <a:ea typeface="Arial Unicode MS" pitchFamily="34" charset="-128"/>
+                <a:cs typeface="Arial Unicode MS" pitchFamily="34" charset="-128"/>
+              </a:rPr>
+              <a:t>~ Inefficient funds exception</a:t>
+            </a:r>
+          </a:p>
+          <a:p>
+            <a:r>
+              <a:rPr lang="en-US" sz="2900" dirty="0" smtClean="0">
+                <a:ln>
+                  <a:solidFill>
+                    <a:schemeClr val="bg1">
+                      <a:lumMod val="75000"/>
+                      <a:lumOff val="25000"/>
+                    </a:schemeClr>
+                  </a:solidFill>
+                </a:ln>
+                <a:solidFill>
+                  <a:schemeClr val="bg1">
+                    <a:lumMod val="75000"/>
+                    <a:lumOff val="25000"/>
+                  </a:schemeClr>
+                </a:solidFill>
+                <a:latin typeface="Arial Unicode MS" pitchFamily="34" charset="-128"/>
+                <a:ea typeface="Arial Unicode MS" pitchFamily="34" charset="-128"/>
+                <a:cs typeface="Arial Unicode MS" pitchFamily="34" charset="-128"/>
+              </a:rPr>
+              <a:t>~ </a:t>
+            </a:r>
             <a:r>
               <a:rPr lang="en-US" sz="2900" dirty="0">
                 <a:ln>
@@ -5807,7 +5581,7 @@
                 <a:ea typeface="Arial Unicode MS" pitchFamily="34" charset="-128"/>
                 <a:cs typeface="Arial Unicode MS" pitchFamily="34" charset="-128"/>
               </a:rPr>
-              <a:t> </a:t>
+              <a:t>O</a:t>
             </a:r>
             <a:r>
               <a:rPr lang="en-US" sz="2900" dirty="0" smtClean="0">
@@ -5829,8 +5603,10 @@
                 <a:ea typeface="Arial Unicode MS" pitchFamily="34" charset="-128"/>
                 <a:cs typeface="Arial Unicode MS" pitchFamily="34" charset="-128"/>
               </a:rPr>
-              <a:t>  dynamic </a:t>
-            </a:r>
+              <a:t>rders are now numbered</a:t>
+            </a:r>
+          </a:p>
+          <a:p>
             <a:r>
               <a:rPr lang="en-US" sz="2900" dirty="0" smtClean="0">
                 <a:ln>
@@ -5851,363 +5627,7 @@
                 <a:ea typeface="Arial Unicode MS" pitchFamily="34" charset="-128"/>
                 <a:cs typeface="Arial Unicode MS" pitchFamily="34" charset="-128"/>
               </a:rPr>
-              <a:t>pages</a:t>
-            </a:r>
-            <a:endParaRPr lang="en-US" sz="2900" dirty="0" smtClean="0">
-              <a:ln>
-                <a:solidFill>
-                  <a:schemeClr val="bg1">
-                    <a:lumMod val="75000"/>
-                    <a:lumOff val="25000"/>
-                  </a:schemeClr>
-                </a:solidFill>
-              </a:ln>
-              <a:solidFill>
-                <a:schemeClr val="bg1">
-                  <a:lumMod val="75000"/>
-                  <a:lumOff val="25000"/>
-                </a:schemeClr>
-              </a:solidFill>
-              <a:latin typeface="Arial Unicode MS" pitchFamily="34" charset="-128"/>
-              <a:ea typeface="Arial Unicode MS" pitchFamily="34" charset="-128"/>
-              <a:cs typeface="Arial Unicode MS" pitchFamily="34" charset="-128"/>
-            </a:endParaRPr>
-          </a:p>
-          <a:p>
-            <a:r>
-              <a:rPr lang="en-US" sz="2900" dirty="0" smtClean="0">
-                <a:ln>
-                  <a:solidFill>
-                    <a:schemeClr val="bg1">
-                      <a:lumMod val="75000"/>
-                      <a:lumOff val="25000"/>
-                    </a:schemeClr>
-                  </a:solidFill>
-                </a:ln>
-                <a:solidFill>
-                  <a:schemeClr val="bg1">
-                    <a:lumMod val="75000"/>
-                    <a:lumOff val="25000"/>
-                  </a:schemeClr>
-                </a:solidFill>
-                <a:latin typeface="Arial Unicode MS" pitchFamily="34" charset="-128"/>
-                <a:ea typeface="Arial Unicode MS" pitchFamily="34" charset="-128"/>
-                <a:cs typeface="Arial Unicode MS" pitchFamily="34" charset="-128"/>
-              </a:rPr>
-              <a:t>~ </a:t>
-            </a:r>
-            <a:r>
-              <a:rPr lang="en-US" sz="2900" dirty="0" smtClean="0">
-                <a:ln>
-                  <a:solidFill>
-                    <a:schemeClr val="bg1">
-                      <a:lumMod val="75000"/>
-                      <a:lumOff val="25000"/>
-                    </a:schemeClr>
-                  </a:solidFill>
-                </a:ln>
-                <a:solidFill>
-                  <a:schemeClr val="bg1">
-                    <a:lumMod val="75000"/>
-                    <a:lumOff val="25000"/>
-                  </a:schemeClr>
-                </a:solidFill>
-                <a:latin typeface="Arial Unicode MS" pitchFamily="34" charset="-128"/>
-                <a:ea typeface="Arial Unicode MS" pitchFamily="34" charset="-128"/>
-                <a:cs typeface="Arial Unicode MS" pitchFamily="34" charset="-128"/>
-              </a:rPr>
-              <a:t>Users can add preferences to orders</a:t>
-            </a:r>
-            <a:endParaRPr lang="en-US" sz="2900" dirty="0" smtClean="0">
-              <a:ln>
-                <a:solidFill>
-                  <a:schemeClr val="bg1">
-                    <a:lumMod val="75000"/>
-                    <a:lumOff val="25000"/>
-                  </a:schemeClr>
-                </a:solidFill>
-              </a:ln>
-              <a:solidFill>
-                <a:schemeClr val="bg1">
-                  <a:lumMod val="75000"/>
-                  <a:lumOff val="25000"/>
-                </a:schemeClr>
-              </a:solidFill>
-              <a:latin typeface="Arial Unicode MS" pitchFamily="34" charset="-128"/>
-              <a:ea typeface="Arial Unicode MS" pitchFamily="34" charset="-128"/>
-              <a:cs typeface="Arial Unicode MS" pitchFamily="34" charset="-128"/>
-            </a:endParaRPr>
-          </a:p>
-          <a:p>
-            <a:r>
-              <a:rPr lang="en-US" sz="2900" dirty="0" smtClean="0">
-                <a:ln>
-                  <a:solidFill>
-                    <a:schemeClr val="bg1">
-                      <a:lumMod val="75000"/>
-                      <a:lumOff val="25000"/>
-                    </a:schemeClr>
-                  </a:solidFill>
-                </a:ln>
-                <a:solidFill>
-                  <a:schemeClr val="bg1">
-                    <a:lumMod val="75000"/>
-                    <a:lumOff val="25000"/>
-                  </a:schemeClr>
-                </a:solidFill>
-                <a:latin typeface="Arial Unicode MS" pitchFamily="34" charset="-128"/>
-                <a:ea typeface="Arial Unicode MS" pitchFamily="34" charset="-128"/>
-                <a:cs typeface="Arial Unicode MS" pitchFamily="34" charset="-128"/>
-              </a:rPr>
-              <a:t>~ </a:t>
-            </a:r>
-            <a:r>
-              <a:rPr lang="en-US" sz="2900" dirty="0" smtClean="0">
-                <a:ln>
-                  <a:solidFill>
-                    <a:schemeClr val="bg1">
-                      <a:lumMod val="75000"/>
-                      <a:lumOff val="25000"/>
-                    </a:schemeClr>
-                  </a:solidFill>
-                </a:ln>
-                <a:solidFill>
-                  <a:schemeClr val="bg1">
-                    <a:lumMod val="75000"/>
-                    <a:lumOff val="25000"/>
-                  </a:schemeClr>
-                </a:solidFill>
-                <a:latin typeface="Arial Unicode MS" pitchFamily="34" charset="-128"/>
-                <a:ea typeface="Arial Unicode MS" pitchFamily="34" charset="-128"/>
-                <a:cs typeface="Arial Unicode MS" pitchFamily="34" charset="-128"/>
-              </a:rPr>
-              <a:t>Balance now </a:t>
-            </a:r>
-            <a:r>
-              <a:rPr lang="en-US" sz="2900" dirty="0" smtClean="0">
-                <a:ln>
-                  <a:solidFill>
-                    <a:schemeClr val="bg1">
-                      <a:lumMod val="75000"/>
-                      <a:lumOff val="25000"/>
-                    </a:schemeClr>
-                  </a:solidFill>
-                </a:ln>
-                <a:solidFill>
-                  <a:schemeClr val="bg1">
-                    <a:lumMod val="75000"/>
-                    <a:lumOff val="25000"/>
-                  </a:schemeClr>
-                </a:solidFill>
-                <a:latin typeface="Arial Unicode MS" pitchFamily="34" charset="-128"/>
-                <a:ea typeface="Arial Unicode MS" pitchFamily="34" charset="-128"/>
-                <a:cs typeface="Arial Unicode MS" pitchFamily="34" charset="-128"/>
-              </a:rPr>
-              <a:t>appears on </a:t>
-            </a:r>
-            <a:r>
-              <a:rPr lang="en-US" sz="2900" dirty="0" smtClean="0">
-                <a:ln>
-                  <a:solidFill>
-                    <a:schemeClr val="bg1">
-                      <a:lumMod val="75000"/>
-                      <a:lumOff val="25000"/>
-                    </a:schemeClr>
-                  </a:solidFill>
-                </a:ln>
-                <a:solidFill>
-                  <a:schemeClr val="bg1">
-                    <a:lumMod val="75000"/>
-                    <a:lumOff val="25000"/>
-                  </a:schemeClr>
-                </a:solidFill>
-                <a:latin typeface="Arial Unicode MS" pitchFamily="34" charset="-128"/>
-                <a:ea typeface="Arial Unicode MS" pitchFamily="34" charset="-128"/>
-                <a:cs typeface="Arial Unicode MS" pitchFamily="34" charset="-128"/>
-              </a:rPr>
-              <a:t>profile </a:t>
-            </a:r>
-            <a:r>
-              <a:rPr lang="en-US" sz="2900" dirty="0" smtClean="0">
-                <a:ln>
-                  <a:solidFill>
-                    <a:schemeClr val="bg1">
-                      <a:lumMod val="75000"/>
-                      <a:lumOff val="25000"/>
-                    </a:schemeClr>
-                  </a:solidFill>
-                </a:ln>
-                <a:solidFill>
-                  <a:schemeClr val="bg1">
-                    <a:lumMod val="75000"/>
-                    <a:lumOff val="25000"/>
-                  </a:schemeClr>
-                </a:solidFill>
-                <a:latin typeface="Arial Unicode MS" pitchFamily="34" charset="-128"/>
-                <a:ea typeface="Arial Unicode MS" pitchFamily="34" charset="-128"/>
-                <a:cs typeface="Arial Unicode MS" pitchFamily="34" charset="-128"/>
-              </a:rPr>
-              <a:t>page</a:t>
-            </a:r>
-          </a:p>
-          <a:p>
-            <a:r>
-              <a:rPr lang="en-US" sz="2900" dirty="0" smtClean="0">
-                <a:ln>
-                  <a:solidFill>
-                    <a:schemeClr val="bg1">
-                      <a:lumMod val="75000"/>
-                      <a:lumOff val="25000"/>
-                    </a:schemeClr>
-                  </a:solidFill>
-                </a:ln>
-                <a:solidFill>
-                  <a:schemeClr val="bg1">
-                    <a:lumMod val="75000"/>
-                    <a:lumOff val="25000"/>
-                  </a:schemeClr>
-                </a:solidFill>
-                <a:latin typeface="Arial Unicode MS" pitchFamily="34" charset="-128"/>
-                <a:ea typeface="Arial Unicode MS" pitchFamily="34" charset="-128"/>
-                <a:cs typeface="Arial Unicode MS" pitchFamily="34" charset="-128"/>
-              </a:rPr>
-              <a:t>~ Inefficient funds exception</a:t>
-            </a:r>
-          </a:p>
-          <a:p>
-            <a:r>
-              <a:rPr lang="en-US" sz="2900" dirty="0" smtClean="0">
-                <a:ln>
-                  <a:solidFill>
-                    <a:schemeClr val="bg1">
-                      <a:lumMod val="75000"/>
-                      <a:lumOff val="25000"/>
-                    </a:schemeClr>
-                  </a:solidFill>
-                </a:ln>
-                <a:solidFill>
-                  <a:schemeClr val="bg1">
-                    <a:lumMod val="75000"/>
-                    <a:lumOff val="25000"/>
-                  </a:schemeClr>
-                </a:solidFill>
-                <a:latin typeface="Arial Unicode MS" pitchFamily="34" charset="-128"/>
-                <a:ea typeface="Arial Unicode MS" pitchFamily="34" charset="-128"/>
-                <a:cs typeface="Arial Unicode MS" pitchFamily="34" charset="-128"/>
-              </a:rPr>
-              <a:t>~ </a:t>
-            </a:r>
-            <a:r>
-              <a:rPr lang="en-US" sz="2900" dirty="0">
-                <a:ln>
-                  <a:solidFill>
-                    <a:schemeClr val="bg1">
-                      <a:lumMod val="75000"/>
-                      <a:lumOff val="25000"/>
-                    </a:schemeClr>
-                  </a:solidFill>
-                </a:ln>
-                <a:solidFill>
-                  <a:schemeClr val="bg1">
-                    <a:lumMod val="75000"/>
-                    <a:lumOff val="25000"/>
-                  </a:schemeClr>
-                </a:solidFill>
-                <a:latin typeface="Arial Unicode MS" pitchFamily="34" charset="-128"/>
-                <a:ea typeface="Arial Unicode MS" pitchFamily="34" charset="-128"/>
-                <a:cs typeface="Arial Unicode MS" pitchFamily="34" charset="-128"/>
-              </a:rPr>
-              <a:t>O</a:t>
-            </a:r>
-            <a:r>
-              <a:rPr lang="en-US" sz="2900" dirty="0" smtClean="0">
-                <a:ln>
-                  <a:solidFill>
-                    <a:schemeClr val="bg1">
-                      <a:lumMod val="75000"/>
-                      <a:lumOff val="25000"/>
-                    </a:schemeClr>
-                  </a:solidFill>
-                </a:ln>
-                <a:solidFill>
-                  <a:schemeClr val="bg1">
-                    <a:lumMod val="75000"/>
-                    <a:lumOff val="25000"/>
-                  </a:schemeClr>
-                </a:solidFill>
-                <a:latin typeface="Arial Unicode MS" pitchFamily="34" charset="-128"/>
-                <a:ea typeface="Arial Unicode MS" pitchFamily="34" charset="-128"/>
-                <a:cs typeface="Arial Unicode MS" pitchFamily="34" charset="-128"/>
-              </a:rPr>
-              <a:t>rders are now numbered</a:t>
-            </a:r>
-          </a:p>
-          <a:p>
-            <a:r>
-              <a:rPr lang="en-US" sz="2900" dirty="0" smtClean="0">
-                <a:ln>
-                  <a:solidFill>
-                    <a:schemeClr val="bg1">
-                      <a:lumMod val="75000"/>
-                      <a:lumOff val="25000"/>
-                    </a:schemeClr>
-                  </a:solidFill>
-                </a:ln>
-                <a:solidFill>
-                  <a:schemeClr val="bg1">
-                    <a:lumMod val="75000"/>
-                    <a:lumOff val="25000"/>
-                  </a:schemeClr>
-                </a:solidFill>
-                <a:latin typeface="Arial Unicode MS" pitchFamily="34" charset="-128"/>
-                <a:ea typeface="Arial Unicode MS" pitchFamily="34" charset="-128"/>
-                <a:cs typeface="Arial Unicode MS" pitchFamily="34" charset="-128"/>
-              </a:rPr>
-              <a:t>~ For screen </a:t>
-            </a:r>
-            <a:r>
-              <a:rPr lang="en-US" sz="2900" dirty="0" smtClean="0">
-                <a:ln>
-                  <a:solidFill>
-                    <a:schemeClr val="bg1">
-                      <a:lumMod val="75000"/>
-                      <a:lumOff val="25000"/>
-                    </a:schemeClr>
-                  </a:solidFill>
-                </a:ln>
-                <a:solidFill>
-                  <a:schemeClr val="bg1">
-                    <a:lumMod val="75000"/>
-                    <a:lumOff val="25000"/>
-                  </a:schemeClr>
-                </a:solidFill>
-                <a:latin typeface="Arial Unicode MS" pitchFamily="34" charset="-128"/>
-                <a:ea typeface="Arial Unicode MS" pitchFamily="34" charset="-128"/>
-                <a:cs typeface="Arial Unicode MS" pitchFamily="34" charset="-128"/>
-              </a:rPr>
-              <a:t>utilization, the </a:t>
-            </a:r>
-            <a:r>
-              <a:rPr lang="en-US" sz="2900" dirty="0" smtClean="0">
-                <a:ln>
-                  <a:solidFill>
-                    <a:schemeClr val="bg1">
-                      <a:lumMod val="75000"/>
-                      <a:lumOff val="25000"/>
-                    </a:schemeClr>
-                  </a:solidFill>
-                </a:ln>
-                <a:solidFill>
-                  <a:schemeClr val="bg1">
-                    <a:lumMod val="75000"/>
-                    <a:lumOff val="25000"/>
-                  </a:schemeClr>
-                </a:solidFill>
-                <a:latin typeface="Arial Unicode MS" pitchFamily="34" charset="-128"/>
-                <a:ea typeface="Arial Unicode MS" pitchFamily="34" charset="-128"/>
-                <a:cs typeface="Arial Unicode MS" pitchFamily="34" charset="-128"/>
-              </a:rPr>
-              <a:t>menu bar will become </a:t>
+              <a:t>~ For screen utilization, the menu bar will become </a:t>
             </a:r>
           </a:p>
           <a:p>
@@ -6680,29 +6100,7 @@
                 <a:ea typeface="Arial Unicode MS" pitchFamily="34" charset="-128"/>
                 <a:cs typeface="Arial Unicode MS" pitchFamily="34" charset="-128"/>
               </a:rPr>
-              <a:t>- </a:t>
-            </a:r>
-            <a:r>
-              <a:rPr lang="en-US" sz="3600" smtClean="0">
-                <a:ln>
-                  <a:solidFill>
-                    <a:schemeClr val="bg1">
-                      <a:lumMod val="75000"/>
-                      <a:lumOff val="25000"/>
-                    </a:schemeClr>
-                  </a:solidFill>
-                </a:ln>
-                <a:solidFill>
-                  <a:schemeClr val="bg1">
-                    <a:lumMod val="75000"/>
-                    <a:lumOff val="25000"/>
-                  </a:schemeClr>
-                </a:solidFill>
-                <a:latin typeface="Arial Unicode MS" pitchFamily="34" charset="-128"/>
-                <a:ea typeface="Arial Unicode MS" pitchFamily="34" charset="-128"/>
-                <a:cs typeface="Arial Unicode MS" pitchFamily="34" charset="-128"/>
-              </a:rPr>
-              <a:t>Gather </a:t>
+              <a:t>- Gather </a:t>
             </a:r>
             <a:r>
               <a:rPr lang="en-US" sz="3600" dirty="0" smtClean="0">
@@ -6748,7 +6146,31 @@
                 <a:ea typeface="Arial Unicode MS" pitchFamily="34" charset="-128"/>
                 <a:cs typeface="Arial Unicode MS" pitchFamily="34" charset="-128"/>
               </a:rPr>
-              <a:t>	  (security and </a:t>
+              <a:t>	  (security and auditability)</a:t>
+            </a:r>
+          </a:p>
+          <a:p>
+            <a:r>
+              <a:rPr lang="en-US" sz="3600" dirty="0">
+                <a:ln>
+                  <a:solidFill>
+                    <a:schemeClr val="bg1">
+                      <a:lumMod val="75000"/>
+                      <a:lumOff val="25000"/>
+                    </a:schemeClr>
+                  </a:solidFill>
+                </a:ln>
+                <a:solidFill>
+                  <a:schemeClr val="bg1">
+                    <a:lumMod val="75000"/>
+                    <a:lumOff val="25000"/>
+                  </a:schemeClr>
+                </a:solidFill>
+                <a:latin typeface="Arial Unicode MS" pitchFamily="34" charset="-128"/>
+                <a:ea typeface="Arial Unicode MS" pitchFamily="34" charset="-128"/>
+                <a:cs typeface="Arial Unicode MS" pitchFamily="34" charset="-128"/>
+              </a:rPr>
+              <a:t>	</a:t>
             </a:r>
             <a:r>
               <a:rPr lang="en-US" sz="3600" dirty="0" smtClean="0">
@@ -6770,27 +6192,8 @@
                 <a:ea typeface="Arial Unicode MS" pitchFamily="34" charset="-128"/>
                 <a:cs typeface="Arial Unicode MS" pitchFamily="34" charset="-128"/>
               </a:rPr>
-              <a:t>auditability)</a:t>
-            </a:r>
-            <a:endParaRPr lang="en-US" sz="3600" dirty="0" smtClean="0">
-              <a:ln>
-                <a:solidFill>
-                  <a:schemeClr val="bg1">
-                    <a:lumMod val="75000"/>
-                    <a:lumOff val="25000"/>
-                  </a:schemeClr>
-                </a:solidFill>
-              </a:ln>
-              <a:solidFill>
-                <a:schemeClr val="bg1">
-                  <a:lumMod val="75000"/>
-                  <a:lumOff val="25000"/>
-                </a:schemeClr>
-              </a:solidFill>
-              <a:latin typeface="Arial Unicode MS" pitchFamily="34" charset="-128"/>
-              <a:ea typeface="Arial Unicode MS" pitchFamily="34" charset="-128"/>
-              <a:cs typeface="Arial Unicode MS" pitchFamily="34" charset="-128"/>
-            </a:endParaRPr>
+              <a:t>- Use history data to create </a:t>
+            </a:r>
           </a:p>
           <a:p>
             <a:r>
@@ -6835,32 +6238,10 @@
                 <a:ea typeface="Arial Unicode MS" pitchFamily="34" charset="-128"/>
                 <a:cs typeface="Arial Unicode MS" pitchFamily="34" charset="-128"/>
               </a:rPr>
-              <a:t>- Use history data to create </a:t>
-            </a:r>
-          </a:p>
-          <a:p>
-            <a:r>
-              <a:rPr lang="en-US" sz="3600" dirty="0">
-                <a:ln>
-                  <a:solidFill>
-                    <a:schemeClr val="bg1">
-                      <a:lumMod val="75000"/>
-                      <a:lumOff val="25000"/>
-                    </a:schemeClr>
-                  </a:solidFill>
-                </a:ln>
-                <a:solidFill>
-                  <a:schemeClr val="bg1">
-                    <a:lumMod val="75000"/>
-                    <a:lumOff val="25000"/>
-                  </a:schemeClr>
-                </a:solidFill>
-                <a:latin typeface="Arial Unicode MS" pitchFamily="34" charset="-128"/>
-                <a:ea typeface="Arial Unicode MS" pitchFamily="34" charset="-128"/>
-                <a:cs typeface="Arial Unicode MS" pitchFamily="34" charset="-128"/>
-              </a:rPr>
-              <a:t>	</a:t>
-            </a:r>
+              <a:t>  usage graphs </a:t>
+            </a:r>
+          </a:p>
+          <a:p>
             <a:r>
               <a:rPr lang="en-US" sz="3600" dirty="0" smtClean="0">
                 <a:ln>
@@ -6881,75 +6262,7 @@
                 <a:ea typeface="Arial Unicode MS" pitchFamily="34" charset="-128"/>
                 <a:cs typeface="Arial Unicode MS" pitchFamily="34" charset="-128"/>
               </a:rPr>
-              <a:t>  usage </a:t>
-            </a:r>
-            <a:r>
-              <a:rPr lang="en-US" sz="3600" dirty="0" smtClean="0">
-                <a:ln>
-                  <a:solidFill>
-                    <a:schemeClr val="bg1">
-                      <a:lumMod val="75000"/>
-                      <a:lumOff val="25000"/>
-                    </a:schemeClr>
-                  </a:solidFill>
-                </a:ln>
-                <a:solidFill>
-                  <a:schemeClr val="bg1">
-                    <a:lumMod val="75000"/>
-                    <a:lumOff val="25000"/>
-                  </a:schemeClr>
-                </a:solidFill>
-                <a:latin typeface="Arial Unicode MS" pitchFamily="34" charset="-128"/>
-                <a:ea typeface="Arial Unicode MS" pitchFamily="34" charset="-128"/>
-                <a:cs typeface="Arial Unicode MS" pitchFamily="34" charset="-128"/>
-              </a:rPr>
-              <a:t>graphs </a:t>
-            </a:r>
-          </a:p>
-          <a:p>
-            <a:r>
-              <a:rPr lang="en-US" sz="3600" dirty="0" smtClean="0">
-                <a:ln>
-                  <a:solidFill>
-                    <a:schemeClr val="bg1">
-                      <a:lumMod val="75000"/>
-                      <a:lumOff val="25000"/>
-                    </a:schemeClr>
-                  </a:solidFill>
-                </a:ln>
-                <a:solidFill>
-                  <a:schemeClr val="bg1">
-                    <a:lumMod val="75000"/>
-                    <a:lumOff val="25000"/>
-                  </a:schemeClr>
-                </a:solidFill>
-                <a:latin typeface="Arial Unicode MS" pitchFamily="34" charset="-128"/>
-                <a:ea typeface="Arial Unicode MS" pitchFamily="34" charset="-128"/>
-                <a:cs typeface="Arial Unicode MS" pitchFamily="34" charset="-128"/>
-              </a:rPr>
-              <a:t>~ </a:t>
-            </a:r>
-            <a:r>
-              <a:rPr lang="en-US" sz="3600" dirty="0" smtClean="0">
-                <a:ln>
-                  <a:solidFill>
-                    <a:schemeClr val="bg1">
-                      <a:lumMod val="75000"/>
-                      <a:lumOff val="25000"/>
-                    </a:schemeClr>
-                  </a:solidFill>
-                </a:ln>
-                <a:solidFill>
-                  <a:schemeClr val="bg1">
-                    <a:lumMod val="75000"/>
-                    <a:lumOff val="25000"/>
-                  </a:schemeClr>
-                </a:solidFill>
-                <a:latin typeface="Arial Unicode MS" pitchFamily="34" charset="-128"/>
-                <a:ea typeface="Arial Unicode MS" pitchFamily="34" charset="-128"/>
-                <a:cs typeface="Arial Unicode MS" pitchFamily="34" charset="-128"/>
-              </a:rPr>
-              <a:t>Usability testing</a:t>
+              <a:t>~ Usability testing</a:t>
             </a:r>
           </a:p>
           <a:p>
@@ -7199,8 +6512,10 @@
                 <a:ea typeface="Arial Unicode MS" pitchFamily="34" charset="-128"/>
                 <a:cs typeface="Arial Unicode MS" pitchFamily="34" charset="-128"/>
               </a:rPr>
-              <a:t>~ Phase 5 </a:t>
-            </a:r>
+              <a:t>~ Phase 5 –Tying everything up</a:t>
+            </a:r>
+          </a:p>
+          <a:p>
             <a:r>
               <a:rPr lang="en-US" sz="3600" dirty="0" smtClean="0">
                 <a:ln>
@@ -7221,7 +6536,7 @@
                 <a:ea typeface="Arial Unicode MS" pitchFamily="34" charset="-128"/>
                 <a:cs typeface="Arial Unicode MS" pitchFamily="34" charset="-128"/>
               </a:rPr>
-              <a:t>–Tying everything up</a:t>
+              <a:t>~ This phase will consist of fixing the last</a:t>
             </a:r>
           </a:p>
           <a:p>
@@ -7245,97 +6560,7 @@
                 <a:ea typeface="Arial Unicode MS" pitchFamily="34" charset="-128"/>
                 <a:cs typeface="Arial Unicode MS" pitchFamily="34" charset="-128"/>
               </a:rPr>
-              <a:t>~ </a:t>
-            </a:r>
-            <a:r>
-              <a:rPr lang="en-US" sz="3600" dirty="0" smtClean="0">
-                <a:ln>
-                  <a:solidFill>
-                    <a:schemeClr val="bg1">
-                      <a:lumMod val="75000"/>
-                      <a:lumOff val="25000"/>
-                    </a:schemeClr>
-                  </a:solidFill>
-                </a:ln>
-                <a:solidFill>
-                  <a:schemeClr val="bg1">
-                    <a:lumMod val="75000"/>
-                    <a:lumOff val="25000"/>
-                  </a:schemeClr>
-                </a:solidFill>
-                <a:latin typeface="Arial Unicode MS" pitchFamily="34" charset="-128"/>
-                <a:ea typeface="Arial Unicode MS" pitchFamily="34" charset="-128"/>
-                <a:cs typeface="Arial Unicode MS" pitchFamily="34" charset="-128"/>
-              </a:rPr>
-              <a:t>This phase will consist of fixing the last</a:t>
-            </a:r>
-          </a:p>
-          <a:p>
-            <a:r>
-              <a:rPr lang="en-US" sz="3600" dirty="0" smtClean="0">
-                <a:ln>
-                  <a:solidFill>
-                    <a:schemeClr val="bg1">
-                      <a:lumMod val="75000"/>
-                      <a:lumOff val="25000"/>
-                    </a:schemeClr>
-                  </a:solidFill>
-                </a:ln>
-                <a:solidFill>
-                  <a:schemeClr val="bg1">
-                    <a:lumMod val="75000"/>
-                    <a:lumOff val="25000"/>
-                  </a:schemeClr>
-                </a:solidFill>
-                <a:latin typeface="Arial Unicode MS" pitchFamily="34" charset="-128"/>
-                <a:ea typeface="Arial Unicode MS" pitchFamily="34" charset="-128"/>
-                <a:cs typeface="Arial Unicode MS" pitchFamily="34" charset="-128"/>
-              </a:rPr>
-              <a:t>    few things of </a:t>
-            </a:r>
-            <a:r>
-              <a:rPr lang="en-US" sz="3600" dirty="0" smtClean="0">
-                <a:ln>
-                  <a:solidFill>
-                    <a:schemeClr val="bg1">
-                      <a:lumMod val="75000"/>
-                      <a:lumOff val="25000"/>
-                    </a:schemeClr>
-                  </a:solidFill>
-                </a:ln>
-                <a:solidFill>
-                  <a:schemeClr val="bg1">
-                    <a:lumMod val="75000"/>
-                    <a:lumOff val="25000"/>
-                  </a:schemeClr>
-                </a:solidFill>
-                <a:latin typeface="Arial Unicode MS" pitchFamily="34" charset="-128"/>
-                <a:ea typeface="Arial Unicode MS" pitchFamily="34" charset="-128"/>
-                <a:cs typeface="Arial Unicode MS" pitchFamily="34" charset="-128"/>
-              </a:rPr>
-              <a:t>the core </a:t>
-            </a:r>
-            <a:r>
-              <a:rPr lang="en-US" sz="3600" dirty="0" smtClean="0">
-                <a:ln>
-                  <a:solidFill>
-                    <a:schemeClr val="bg1">
-                      <a:lumMod val="75000"/>
-                      <a:lumOff val="25000"/>
-                    </a:schemeClr>
-                  </a:solidFill>
-                </a:ln>
-                <a:solidFill>
-                  <a:schemeClr val="bg1">
-                    <a:lumMod val="75000"/>
-                    <a:lumOff val="25000"/>
-                  </a:schemeClr>
-                </a:solidFill>
-                <a:latin typeface="Arial Unicode MS" pitchFamily="34" charset="-128"/>
-                <a:ea typeface="Arial Unicode MS" pitchFamily="34" charset="-128"/>
-                <a:cs typeface="Arial Unicode MS" pitchFamily="34" charset="-128"/>
-              </a:rPr>
-              <a:t>requirements </a:t>
+              <a:t>    few things of the core requirements </a:t>
             </a:r>
           </a:p>
         </p:txBody>

--- a/Demo/Demo3.pptx
+++ b/Demo/Demo3.pptx
@@ -115,7 +115,7 @@
   </p:defaultTextStyle>
   <p:extLst>
     <p:ext uri="{EFAFB233-063F-42B5-8137-9DF3F51BA10A}">
-      <p15:sldGuideLst xmlns:p15="http://schemas.microsoft.com/office/powerpoint/2012/main" xmlns="">
+      <p15:sldGuideLst xmlns="" xmlns:p15="http://schemas.microsoft.com/office/powerpoint/2012/main">
         <p15:guide id="1" orient="horz" pos="2160">
           <p15:clr>
             <a:srgbClr val="A4A3A4"/>
@@ -4438,26 +4438,26 @@
               <a:t>(MEANJS, Bootstrap, grunt, </a:t>
             </a:r>
             <a:r>
-              <a:rPr lang="en-US" sz="2000" dirty="0" err="1" smtClean="0">
-                <a:ln>
-                  <a:solidFill>
-                    <a:schemeClr val="bg1">
-                      <a:lumMod val="75000"/>
-                      <a:lumOff val="25000"/>
-                    </a:schemeClr>
-                  </a:solidFill>
-                </a:ln>
-                <a:solidFill>
-                  <a:schemeClr val="bg1">
-                    <a:lumMod val="75000"/>
-                    <a:lumOff val="25000"/>
-                  </a:schemeClr>
-                </a:solidFill>
-                <a:latin typeface="Arial Unicode MS" pitchFamily="34" charset="-128"/>
-                <a:ea typeface="Arial Unicode MS" pitchFamily="34" charset="-128"/>
-                <a:cs typeface="Arial Unicode MS" pitchFamily="34" charset="-128"/>
-              </a:rPr>
-              <a:t>Moca</a:t>
+              <a:rPr lang="en-US" sz="2000" dirty="0" smtClean="0">
+                <a:ln>
+                  <a:solidFill>
+                    <a:schemeClr val="bg1">
+                      <a:lumMod val="75000"/>
+                      <a:lumOff val="25000"/>
+                    </a:schemeClr>
+                  </a:solidFill>
+                </a:ln>
+                <a:solidFill>
+                  <a:schemeClr val="bg1">
+                    <a:lumMod val="75000"/>
+                    <a:lumOff val="25000"/>
+                  </a:schemeClr>
+                </a:solidFill>
+                <a:latin typeface="Arial Unicode MS" pitchFamily="34" charset="-128"/>
+                <a:ea typeface="Arial Unicode MS" pitchFamily="34" charset="-128"/>
+                <a:cs typeface="Arial Unicode MS" pitchFamily="34" charset="-128"/>
+              </a:rPr>
+              <a:t>Mocha</a:t>
             </a:r>
             <a:r>
               <a:rPr lang="en-US" sz="2000" dirty="0" smtClean="0">
